--- a/宣道詩/(宣道詩216) 和耶穌談.pptx
+++ b/宣道詩/(宣道詩216) 和耶穌談.pptx
@@ -147,7 +147,7 @@
   </p:defaultTextStyle>
   <p:extLst>
     <p:ext uri="{EFAFB233-063F-42B5-8137-9DF3F51BA10A}">
-      <p15:sldGuideLst xmlns:p15="http://schemas.microsoft.com/office/powerpoint/2012/main">
+      <p15:sldGuideLst xmlns:p15="http://schemas.microsoft.com/office/powerpoint/2012/main" xmlns="">
         <p15:guide id="1" orient="horz" pos="2268" userDrawn="1">
           <p15:clr>
             <a:srgbClr val="A4A3A4"/>
@@ -308,6 +308,7 @@
           <a:p>
             <a:fld id="{50305E07-67EA-4042-A3F6-853A8AD8D209}" type="slidenum">
               <a:rPr lang="en-US" smtClean="0"/>
+              <a:pPr/>
               <a:t>‹#›</a:t>
             </a:fld>
             <a:endParaRPr lang="en-US"/>
@@ -559,6 +560,7 @@
           <a:p>
             <a:fld id="{789453B0-9DF3-4847-AF80-E61FDDFE7134}" type="slidenum">
               <a:rPr lang="zh-TW" altLang="en-US" smtClean="0"/>
+              <a:pPr/>
               <a:t>‹#›</a:t>
             </a:fld>
             <a:endParaRPr lang="zh-TW" altLang="en-US"/>
@@ -891,6 +893,9 @@
             </a:pPr>
             <a:fld id="{9B0C4BEA-116E-4A46-BBD1-DB16043DE460}" type="slidenum">
               <a:rPr lang="en-US" altLang="zh-TW" smtClean="0"/>
+              <a:pPr>
+                <a:defRPr/>
+              </a:pPr>
               <a:t>‹#›</a:t>
             </a:fld>
             <a:endParaRPr lang="en-US" altLang="zh-TW"/>
@@ -900,7 +905,7 @@
     </p:spTree>
     <p:extLst>
       <p:ext uri="{BB962C8B-B14F-4D97-AF65-F5344CB8AC3E}">
-        <p14:creationId xmlns:p14="http://schemas.microsoft.com/office/powerpoint/2010/main" val="3799526324"/>
+        <p14:creationId xmlns:p14="http://schemas.microsoft.com/office/powerpoint/2010/main" xmlns="" val="3799526324"/>
       </p:ext>
     </p:extLst>
   </p:cSld>
@@ -1066,6 +1071,9 @@
             </a:pPr>
             <a:fld id="{ACE7D3E4-89F3-4CED-A48A-023A05B8B9D6}" type="slidenum">
               <a:rPr lang="en-US" altLang="zh-TW" smtClean="0"/>
+              <a:pPr>
+                <a:defRPr/>
+              </a:pPr>
               <a:t>‹#›</a:t>
             </a:fld>
             <a:endParaRPr lang="en-US" altLang="zh-TW"/>
@@ -1075,7 +1083,7 @@
     </p:spTree>
     <p:extLst>
       <p:ext uri="{BB962C8B-B14F-4D97-AF65-F5344CB8AC3E}">
-        <p14:creationId xmlns:p14="http://schemas.microsoft.com/office/powerpoint/2010/main" val="2019161418"/>
+        <p14:creationId xmlns:p14="http://schemas.microsoft.com/office/powerpoint/2010/main" xmlns="" val="2019161418"/>
       </p:ext>
     </p:extLst>
   </p:cSld>
@@ -1251,6 +1259,9 @@
             </a:pPr>
             <a:fld id="{E03267DE-EE7E-471A-A40B-FAAFF4920C61}" type="slidenum">
               <a:rPr lang="en-US" altLang="zh-TW" smtClean="0"/>
+              <a:pPr>
+                <a:defRPr/>
+              </a:pPr>
               <a:t>‹#›</a:t>
             </a:fld>
             <a:endParaRPr lang="en-US" altLang="zh-TW"/>
@@ -1260,7 +1271,7 @@
     </p:spTree>
     <p:extLst>
       <p:ext uri="{BB962C8B-B14F-4D97-AF65-F5344CB8AC3E}">
-        <p14:creationId xmlns:p14="http://schemas.microsoft.com/office/powerpoint/2010/main" val="225945171"/>
+        <p14:creationId xmlns:p14="http://schemas.microsoft.com/office/powerpoint/2010/main" xmlns="" val="225945171"/>
       </p:ext>
     </p:extLst>
   </p:cSld>
@@ -1426,6 +1437,9 @@
             </a:pPr>
             <a:fld id="{8B1D29A9-78CF-43D9-96E6-EC61B25CAC04}" type="slidenum">
               <a:rPr lang="en-US" altLang="zh-TW" smtClean="0"/>
+              <a:pPr>
+                <a:defRPr/>
+              </a:pPr>
               <a:t>‹#›</a:t>
             </a:fld>
             <a:endParaRPr lang="en-US" altLang="zh-TW"/>
@@ -1435,7 +1449,7 @@
     </p:spTree>
     <p:extLst>
       <p:ext uri="{BB962C8B-B14F-4D97-AF65-F5344CB8AC3E}">
-        <p14:creationId xmlns:p14="http://schemas.microsoft.com/office/powerpoint/2010/main" val="3020822487"/>
+        <p14:creationId xmlns:p14="http://schemas.microsoft.com/office/powerpoint/2010/main" xmlns="" val="3020822487"/>
       </p:ext>
     </p:extLst>
   </p:cSld>
@@ -1677,6 +1691,9 @@
             </a:pPr>
             <a:fld id="{F8642490-7E29-4483-9A31-EFF80A070D56}" type="slidenum">
               <a:rPr lang="en-US" altLang="zh-TW" smtClean="0"/>
+              <a:pPr>
+                <a:defRPr/>
+              </a:pPr>
               <a:t>‹#›</a:t>
             </a:fld>
             <a:endParaRPr lang="en-US" altLang="zh-TW"/>
@@ -1686,7 +1703,7 @@
     </p:spTree>
     <p:extLst>
       <p:ext uri="{BB962C8B-B14F-4D97-AF65-F5344CB8AC3E}">
-        <p14:creationId xmlns:p14="http://schemas.microsoft.com/office/powerpoint/2010/main" val="2780669017"/>
+        <p14:creationId xmlns:p14="http://schemas.microsoft.com/office/powerpoint/2010/main" xmlns="" val="2780669017"/>
       </p:ext>
     </p:extLst>
   </p:cSld>
@@ -1970,6 +1987,9 @@
             </a:pPr>
             <a:fld id="{BD66FBA3-C5B6-4ABE-B006-3071EDE08652}" type="slidenum">
               <a:rPr lang="en-US" altLang="zh-TW" smtClean="0"/>
+              <a:pPr>
+                <a:defRPr/>
+              </a:pPr>
               <a:t>‹#›</a:t>
             </a:fld>
             <a:endParaRPr lang="en-US" altLang="zh-TW"/>
@@ -1979,7 +1999,7 @@
     </p:spTree>
     <p:extLst>
       <p:ext uri="{BB962C8B-B14F-4D97-AF65-F5344CB8AC3E}">
-        <p14:creationId xmlns:p14="http://schemas.microsoft.com/office/powerpoint/2010/main" val="972713231"/>
+        <p14:creationId xmlns:p14="http://schemas.microsoft.com/office/powerpoint/2010/main" xmlns="" val="972713231"/>
       </p:ext>
     </p:extLst>
   </p:cSld>
@@ -2397,6 +2417,9 @@
             </a:pPr>
             <a:fld id="{EAD6F40A-D4BD-4CFE-9F04-3E5B79AD6394}" type="slidenum">
               <a:rPr lang="en-US" altLang="zh-TW" smtClean="0"/>
+              <a:pPr>
+                <a:defRPr/>
+              </a:pPr>
               <a:t>‹#›</a:t>
             </a:fld>
             <a:endParaRPr lang="en-US" altLang="zh-TW"/>
@@ -2406,7 +2429,7 @@
     </p:spTree>
     <p:extLst>
       <p:ext uri="{BB962C8B-B14F-4D97-AF65-F5344CB8AC3E}">
-        <p14:creationId xmlns:p14="http://schemas.microsoft.com/office/powerpoint/2010/main" val="3487916346"/>
+        <p14:creationId xmlns:p14="http://schemas.microsoft.com/office/powerpoint/2010/main" xmlns="" val="3487916346"/>
       </p:ext>
     </p:extLst>
   </p:cSld>
@@ -2520,6 +2543,9 @@
             </a:pPr>
             <a:fld id="{676EE02C-5D35-4378-8340-C70FEDA343E6}" type="slidenum">
               <a:rPr lang="en-US" altLang="zh-TW" smtClean="0"/>
+              <a:pPr>
+                <a:defRPr/>
+              </a:pPr>
               <a:t>‹#›</a:t>
             </a:fld>
             <a:endParaRPr lang="en-US" altLang="zh-TW"/>
@@ -2529,7 +2555,7 @@
     </p:spTree>
     <p:extLst>
       <p:ext uri="{BB962C8B-B14F-4D97-AF65-F5344CB8AC3E}">
-        <p14:creationId xmlns:p14="http://schemas.microsoft.com/office/powerpoint/2010/main" val="3314329752"/>
+        <p14:creationId xmlns:p14="http://schemas.microsoft.com/office/powerpoint/2010/main" xmlns="" val="3314329752"/>
       </p:ext>
     </p:extLst>
   </p:cSld>
@@ -2620,6 +2646,9 @@
             </a:pPr>
             <a:fld id="{EB50ADB6-12FA-47A2-8F8B-679B72FFE344}" type="slidenum">
               <a:rPr lang="en-US" altLang="zh-TW" smtClean="0"/>
+              <a:pPr>
+                <a:defRPr/>
+              </a:pPr>
               <a:t>‹#›</a:t>
             </a:fld>
             <a:endParaRPr lang="en-US" altLang="zh-TW"/>
@@ -2629,7 +2658,7 @@
     </p:spTree>
     <p:extLst>
       <p:ext uri="{BB962C8B-B14F-4D97-AF65-F5344CB8AC3E}">
-        <p14:creationId xmlns:p14="http://schemas.microsoft.com/office/powerpoint/2010/main" val="664262212"/>
+        <p14:creationId xmlns:p14="http://schemas.microsoft.com/office/powerpoint/2010/main" xmlns="" val="664262212"/>
       </p:ext>
     </p:extLst>
   </p:cSld>
@@ -2902,6 +2931,9 @@
             </a:pPr>
             <a:fld id="{6F0F8A50-B2C4-4226-B3AC-3C570B2B9CE0}" type="slidenum">
               <a:rPr lang="en-US" altLang="zh-TW" smtClean="0"/>
+              <a:pPr>
+                <a:defRPr/>
+              </a:pPr>
               <a:t>‹#›</a:t>
             </a:fld>
             <a:endParaRPr lang="en-US" altLang="zh-TW"/>
@@ -2911,7 +2943,7 @@
     </p:spTree>
     <p:extLst>
       <p:ext uri="{BB962C8B-B14F-4D97-AF65-F5344CB8AC3E}">
-        <p14:creationId xmlns:p14="http://schemas.microsoft.com/office/powerpoint/2010/main" val="2637280324"/>
+        <p14:creationId xmlns:p14="http://schemas.microsoft.com/office/powerpoint/2010/main" xmlns="" val="2637280324"/>
       </p:ext>
     </p:extLst>
   </p:cSld>
@@ -3164,6 +3196,9 @@
             </a:pPr>
             <a:fld id="{58F35931-D635-4C49-A97E-2F28EAA6FE94}" type="slidenum">
               <a:rPr lang="en-US" altLang="zh-TW" smtClean="0"/>
+              <a:pPr>
+                <a:defRPr/>
+              </a:pPr>
               <a:t>‹#›</a:t>
             </a:fld>
             <a:endParaRPr lang="en-US" altLang="zh-TW"/>
@@ -3173,7 +3208,7 @@
     </p:spTree>
     <p:extLst>
       <p:ext uri="{BB962C8B-B14F-4D97-AF65-F5344CB8AC3E}">
-        <p14:creationId xmlns:p14="http://schemas.microsoft.com/office/powerpoint/2010/main" val="2445127232"/>
+        <p14:creationId xmlns:p14="http://schemas.microsoft.com/office/powerpoint/2010/main" xmlns="" val="2445127232"/>
       </p:ext>
     </p:extLst>
   </p:cSld>
@@ -3423,6 +3458,9 @@
             </a:pPr>
             <a:fld id="{B24E0EF9-2ADF-4FFE-B22E-4DD3F4BA4B81}" type="slidenum">
               <a:rPr lang="en-US" altLang="zh-TW" smtClean="0"/>
+              <a:pPr>
+                <a:defRPr/>
+              </a:pPr>
               <a:t>‹#›</a:t>
             </a:fld>
             <a:endParaRPr lang="en-US" altLang="zh-TW"/>
@@ -3432,7 +3470,7 @@
     </p:spTree>
     <p:extLst>
       <p:ext uri="{BB962C8B-B14F-4D97-AF65-F5344CB8AC3E}">
-        <p14:creationId xmlns:p14="http://schemas.microsoft.com/office/powerpoint/2010/main" val="4105750535"/>
+        <p14:creationId xmlns:p14="http://schemas.microsoft.com/office/powerpoint/2010/main" xmlns="" val="4105750535"/>
       </p:ext>
     </p:extLst>
   </p:cSld>
@@ -3738,14 +3776,24 @@
           <a:lstStyle/>
           <a:p>
             <a:r>
-              <a:rPr lang="en-US" altLang="zh-CN" sz="4800" b="1" dirty="0">
-                <a:solidFill>
-                  <a:srgbClr val="660033"/>
-                </a:solidFill>
-                <a:latin typeface="Microsoft JhengHei" panose="020B0604030504040204" pitchFamily="34" charset="-120"/>
-                <a:ea typeface="Microsoft JhengHei" panose="020B0604030504040204" pitchFamily="34" charset="-120"/>
-              </a:rPr>
-              <a:t>【</a:t>
+              <a:rPr lang="zh-CN" altLang="en-US" sz="4800" b="1" smtClean="0">
+                <a:solidFill>
+                  <a:srgbClr val="660033"/>
+                </a:solidFill>
+                <a:latin typeface="Microsoft JhengHei" panose="020B0604030504040204" pitchFamily="34" charset="-120"/>
+                <a:ea typeface="Microsoft JhengHei" panose="020B0604030504040204" pitchFamily="34" charset="-120"/>
+              </a:rPr>
+              <a:t>宣 </a:t>
+            </a:r>
+            <a:r>
+              <a:rPr lang="en-US" altLang="zh-CN" sz="4800" b="1" smtClean="0">
+                <a:solidFill>
+                  <a:srgbClr val="660033"/>
+                </a:solidFill>
+                <a:latin typeface="Microsoft JhengHei" panose="020B0604030504040204" pitchFamily="34" charset="-120"/>
+                <a:ea typeface="Microsoft JhengHei" panose="020B0604030504040204" pitchFamily="34" charset="-120"/>
+              </a:rPr>
+              <a:t>216【</a:t>
             </a:r>
             <a:r>
               <a:rPr lang="zh-CN" altLang="en-US" sz="4800" b="1" dirty="0">
@@ -3798,7 +3846,17 @@
                 <a:latin typeface="Microsoft JhengHei" panose="020B0604030504040204" pitchFamily="34" charset="-120"/>
                 <a:ea typeface="Microsoft JhengHei" panose="020B0604030504040204" pitchFamily="34" charset="-120"/>
               </a:rPr>
-              <a:t>我們每遇各樣試</a:t>
+              <a:t>我們每遇各樣試煉</a:t>
+            </a:r>
+            <a:r>
+              <a:rPr lang="en-US" altLang="zh-CN" sz="5400" b="1" dirty="0">
+                <a:solidFill>
+                  <a:srgbClr val="660033"/>
+                </a:solidFill>
+                <a:latin typeface="Microsoft JhengHei" panose="020B0604030504040204" pitchFamily="34" charset="-120"/>
+                <a:ea typeface="Microsoft JhengHei" panose="020B0604030504040204" pitchFamily="34" charset="-120"/>
+              </a:rPr>
+              <a:t>  </a:t>
             </a:r>
             <a:r>
               <a:rPr lang="zh-CN" altLang="zh-TW" sz="5400" b="1" dirty="0">
@@ -3808,7 +3866,22 @@
                 <a:latin typeface="Microsoft JhengHei" panose="020B0604030504040204" pitchFamily="34" charset="-120"/>
                 <a:ea typeface="Microsoft JhengHei" panose="020B0604030504040204" pitchFamily="34" charset="-120"/>
               </a:rPr>
-              <a:t>煉</a:t>
+              <a:t>便覺愁山當前</a:t>
+            </a:r>
+          </a:p>
+          <a:p>
+            <a:pPr marL="0" indent="0" algn="ctr">
+              <a:buNone/>
+            </a:pPr>
+            <a:r>
+              <a:rPr lang="zh-CN" altLang="zh-TW" sz="5400" b="1" dirty="0">
+                <a:solidFill>
+                  <a:srgbClr val="660033"/>
+                </a:solidFill>
+                <a:latin typeface="Microsoft JhengHei" panose="020B0604030504040204" pitchFamily="34" charset="-120"/>
+                <a:ea typeface="Microsoft JhengHei" panose="020B0604030504040204" pitchFamily="34" charset="-120"/>
+              </a:rPr>
+              <a:t>又如夜間黑雲佈天</a:t>
             </a:r>
             <a:r>
               <a:rPr lang="en-US" altLang="zh-CN" sz="5400" b="1" dirty="0">
@@ -3828,82 +3901,7 @@
                 <a:latin typeface="Microsoft JhengHei" panose="020B0604030504040204" pitchFamily="34" charset="-120"/>
                 <a:ea typeface="Microsoft JhengHei" panose="020B0604030504040204" pitchFamily="34" charset="-120"/>
               </a:rPr>
-              <a:t>便覺愁山當前</a:t>
-            </a:r>
-          </a:p>
-          <a:p>
-            <a:pPr marL="0" indent="0" algn="ctr">
-              <a:buNone/>
-            </a:pPr>
-            <a:r>
-              <a:rPr lang="zh-CN" altLang="zh-TW" sz="5400" b="1" dirty="0">
-                <a:solidFill>
-                  <a:srgbClr val="660033"/>
-                </a:solidFill>
-                <a:latin typeface="Microsoft JhengHei" panose="020B0604030504040204" pitchFamily="34" charset="-120"/>
-                <a:ea typeface="Microsoft JhengHei" panose="020B0604030504040204" pitchFamily="34" charset="-120"/>
-              </a:rPr>
-              <a:t>又</a:t>
-            </a:r>
-            <a:r>
-              <a:rPr lang="zh-CN" altLang="zh-TW" sz="5400" b="1" dirty="0">
-                <a:solidFill>
-                  <a:srgbClr val="660033"/>
-                </a:solidFill>
-                <a:latin typeface="Microsoft JhengHei" panose="020B0604030504040204" pitchFamily="34" charset="-120"/>
-                <a:ea typeface="Microsoft JhengHei" panose="020B0604030504040204" pitchFamily="34" charset="-120"/>
-              </a:rPr>
-              <a:t>如夜間黑雲佈</a:t>
-            </a:r>
-            <a:r>
-              <a:rPr lang="zh-CN" altLang="zh-TW" sz="5400" b="1" dirty="0">
-                <a:solidFill>
-                  <a:srgbClr val="660033"/>
-                </a:solidFill>
-                <a:latin typeface="Microsoft JhengHei" panose="020B0604030504040204" pitchFamily="34" charset="-120"/>
-                <a:ea typeface="Microsoft JhengHei" panose="020B0604030504040204" pitchFamily="34" charset="-120"/>
-              </a:rPr>
-              <a:t>天</a:t>
-            </a:r>
-            <a:r>
-              <a:rPr lang="en-US" altLang="zh-CN" sz="5400" b="1" dirty="0">
-                <a:solidFill>
-                  <a:srgbClr val="660033"/>
-                </a:solidFill>
-                <a:latin typeface="Microsoft JhengHei" panose="020B0604030504040204" pitchFamily="34" charset="-120"/>
-                <a:ea typeface="Microsoft JhengHei" panose="020B0604030504040204" pitchFamily="34" charset="-120"/>
-              </a:rPr>
-              <a:t>  </a:t>
-            </a:r>
-            <a:r>
-              <a:rPr lang="zh-CN" altLang="zh-TW" sz="5400" b="1" dirty="0">
-                <a:solidFill>
-                  <a:srgbClr val="660033"/>
-                </a:solidFill>
-                <a:latin typeface="Microsoft JhengHei" panose="020B0604030504040204" pitchFamily="34" charset="-120"/>
-                <a:ea typeface="Microsoft JhengHei" panose="020B0604030504040204" pitchFamily="34" charset="-120"/>
-              </a:rPr>
-              <a:t>滿</a:t>
-            </a:r>
-            <a:r>
-              <a:rPr lang="zh-CN" altLang="zh-TW" sz="5400" b="1" dirty="0">
-                <a:solidFill>
-                  <a:srgbClr val="660033"/>
-                </a:solidFill>
-                <a:latin typeface="Microsoft JhengHei" panose="020B0604030504040204" pitchFamily="34" charset="-120"/>
-                <a:ea typeface="Microsoft JhengHei" panose="020B0604030504040204" pitchFamily="34" charset="-120"/>
-              </a:rPr>
-              <a:t>心憂悶誰</a:t>
-            </a:r>
-            <a:r>
-              <a:rPr lang="zh-CN" altLang="zh-TW" sz="5400" b="1" dirty="0">
-                <a:solidFill>
-                  <a:srgbClr val="660033"/>
-                </a:solidFill>
-                <a:latin typeface="Microsoft JhengHei" panose="020B0604030504040204" pitchFamily="34" charset="-120"/>
-                <a:ea typeface="Microsoft JhengHei" panose="020B0604030504040204" pitchFamily="34" charset="-120"/>
-              </a:rPr>
-              <a:t>憐</a:t>
+              <a:t>滿心憂悶誰憐</a:t>
             </a:r>
             <a:endParaRPr lang="en-US" altLang="zh-CN" sz="5400" b="1" dirty="0">
               <a:solidFill>
@@ -3925,7 +3923,17 @@
                 <a:latin typeface="Microsoft JhengHei" panose="020B0604030504040204" pitchFamily="34" charset="-120"/>
                 <a:ea typeface="Microsoft JhengHei" panose="020B0604030504040204" pitchFamily="34" charset="-120"/>
               </a:rPr>
-              <a:t>此時求主顧</a:t>
+              <a:t>此時求主顧念</a:t>
+            </a:r>
+            <a:r>
+              <a:rPr lang="en-US" altLang="zh-CN" sz="5400" b="1" dirty="0">
+                <a:solidFill>
+                  <a:srgbClr val="660033"/>
+                </a:solidFill>
+                <a:latin typeface="Microsoft JhengHei" panose="020B0604030504040204" pitchFamily="34" charset="-120"/>
+                <a:ea typeface="Microsoft JhengHei" panose="020B0604030504040204" pitchFamily="34" charset="-120"/>
+              </a:rPr>
+              <a:t>  </a:t>
             </a:r>
             <a:r>
               <a:rPr lang="zh-CN" altLang="zh-TW" sz="5400" b="1" dirty="0">
@@ -3935,7 +3943,22 @@
                 <a:latin typeface="Microsoft JhengHei" panose="020B0604030504040204" pitchFamily="34" charset="-120"/>
                 <a:ea typeface="Microsoft JhengHei" panose="020B0604030504040204" pitchFamily="34" charset="-120"/>
               </a:rPr>
-              <a:t>念</a:t>
+              <a:t>悲傷便得消散</a:t>
+            </a:r>
+          </a:p>
+          <a:p>
+            <a:pPr marL="0" indent="0" algn="ctr">
+              <a:buNone/>
+            </a:pPr>
+            <a:r>
+              <a:rPr lang="zh-CN" altLang="zh-TW" sz="5400" b="1" dirty="0">
+                <a:solidFill>
+                  <a:srgbClr val="660033"/>
+                </a:solidFill>
+                <a:latin typeface="Microsoft JhengHei" panose="020B0604030504040204" pitchFamily="34" charset="-120"/>
+                <a:ea typeface="Microsoft JhengHei" panose="020B0604030504040204" pitchFamily="34" charset="-120"/>
+              </a:rPr>
+              <a:t>和耶穌談</a:t>
             </a:r>
             <a:r>
               <a:rPr lang="en-US" altLang="zh-CN" sz="5400" b="1" dirty="0">
@@ -3955,7 +3978,17 @@
                 <a:latin typeface="Microsoft JhengHei" panose="020B0604030504040204" pitchFamily="34" charset="-120"/>
                 <a:ea typeface="Microsoft JhengHei" panose="020B0604030504040204" pitchFamily="34" charset="-120"/>
               </a:rPr>
-              <a:t>悲</a:t>
+              <a:t>我即時得平安 </a:t>
+            </a:r>
+            <a:r>
+              <a:rPr lang="en-US" altLang="zh-CN" sz="5400" b="1" dirty="0">
+                <a:solidFill>
+                  <a:srgbClr val="660033"/>
+                </a:solidFill>
+                <a:latin typeface="Microsoft JhengHei" panose="020B0604030504040204" pitchFamily="34" charset="-120"/>
+                <a:ea typeface="Microsoft JhengHei" panose="020B0604030504040204" pitchFamily="34" charset="-120"/>
+              </a:rPr>
+              <a:t> </a:t>
             </a:r>
             <a:r>
               <a:rPr lang="zh-CN" altLang="zh-TW" sz="5400" b="1" dirty="0">
@@ -3965,90 +3998,8 @@
                 <a:latin typeface="Microsoft JhengHei" panose="020B0604030504040204" pitchFamily="34" charset="-120"/>
                 <a:ea typeface="Microsoft JhengHei" panose="020B0604030504040204" pitchFamily="34" charset="-120"/>
               </a:rPr>
-              <a:t>傷便得消散</a:t>
-            </a:r>
-          </a:p>
-          <a:p>
-            <a:pPr marL="0" indent="0" algn="ctr">
-              <a:buNone/>
-            </a:pPr>
-            <a:r>
-              <a:rPr lang="zh-CN" altLang="zh-TW" sz="5400" b="1" dirty="0">
-                <a:solidFill>
-                  <a:srgbClr val="660033"/>
-                </a:solidFill>
-                <a:latin typeface="Microsoft JhengHei" panose="020B0604030504040204" pitchFamily="34" charset="-120"/>
-                <a:ea typeface="Microsoft JhengHei" panose="020B0604030504040204" pitchFamily="34" charset="-120"/>
-              </a:rPr>
-              <a:t>和耶穌</a:t>
-            </a:r>
-            <a:r>
-              <a:rPr lang="zh-CN" altLang="zh-TW" sz="5400" b="1" dirty="0">
-                <a:solidFill>
-                  <a:srgbClr val="660033"/>
-                </a:solidFill>
-                <a:latin typeface="Microsoft JhengHei" panose="020B0604030504040204" pitchFamily="34" charset="-120"/>
-                <a:ea typeface="Microsoft JhengHei" panose="020B0604030504040204" pitchFamily="34" charset="-120"/>
-              </a:rPr>
-              <a:t>談</a:t>
-            </a:r>
-            <a:r>
-              <a:rPr lang="en-US" altLang="zh-CN" sz="5400" b="1" dirty="0">
-                <a:solidFill>
-                  <a:srgbClr val="660033"/>
-                </a:solidFill>
-                <a:latin typeface="Microsoft JhengHei" panose="020B0604030504040204" pitchFamily="34" charset="-120"/>
-                <a:ea typeface="Microsoft JhengHei" panose="020B0604030504040204" pitchFamily="34" charset="-120"/>
-              </a:rPr>
-              <a:t>  </a:t>
-            </a:r>
-            <a:r>
-              <a:rPr lang="zh-CN" altLang="zh-TW" sz="5400" b="1" dirty="0">
-                <a:solidFill>
-                  <a:srgbClr val="660033"/>
-                </a:solidFill>
-                <a:latin typeface="Microsoft JhengHei" panose="020B0604030504040204" pitchFamily="34" charset="-120"/>
-                <a:ea typeface="Microsoft JhengHei" panose="020B0604030504040204" pitchFamily="34" charset="-120"/>
-              </a:rPr>
-              <a:t>我</a:t>
-            </a:r>
-            <a:r>
-              <a:rPr lang="zh-CN" altLang="zh-TW" sz="5400" b="1" dirty="0">
-                <a:solidFill>
-                  <a:srgbClr val="660033"/>
-                </a:solidFill>
-                <a:latin typeface="Microsoft JhengHei" panose="020B0604030504040204" pitchFamily="34" charset="-120"/>
-                <a:ea typeface="Microsoft JhengHei" panose="020B0604030504040204" pitchFamily="34" charset="-120"/>
-              </a:rPr>
-              <a:t>即時得平安 </a:t>
-            </a:r>
-            <a:r>
-              <a:rPr lang="en-US" altLang="zh-CN" sz="5400" b="1" dirty="0">
-                <a:solidFill>
-                  <a:srgbClr val="660033"/>
-                </a:solidFill>
-                <a:latin typeface="Microsoft JhengHei" panose="020B0604030504040204" pitchFamily="34" charset="-120"/>
-                <a:ea typeface="Microsoft JhengHei" panose="020B0604030504040204" pitchFamily="34" charset="-120"/>
-              </a:rPr>
-              <a:t> </a:t>
-            </a:r>
-            <a:r>
-              <a:rPr lang="zh-CN" altLang="zh-TW" sz="5400" b="1" dirty="0">
-                <a:solidFill>
-                  <a:srgbClr val="660033"/>
-                </a:solidFill>
-                <a:latin typeface="Microsoft JhengHei" panose="020B0604030504040204" pitchFamily="34" charset="-120"/>
-                <a:ea typeface="Microsoft JhengHei" panose="020B0604030504040204" pitchFamily="34" charset="-120"/>
-              </a:rPr>
               <a:t>平安</a:t>
             </a:r>
-            <a:endParaRPr lang="zh-CN" altLang="zh-TW" sz="5400" b="1" dirty="0">
-              <a:solidFill>
-                <a:srgbClr val="660033"/>
-              </a:solidFill>
-              <a:latin typeface="Microsoft JhengHei" panose="020B0604030504040204" pitchFamily="34" charset="-120"/>
-              <a:ea typeface="Microsoft JhengHei" panose="020B0604030504040204" pitchFamily="34" charset="-120"/>
-            </a:endParaRPr>
           </a:p>
         </p:txBody>
       </p:sp>
@@ -4093,13 +4044,20 @@
     </p:spTree>
     <p:extLst>
       <p:ext uri="{BB962C8B-B14F-4D97-AF65-F5344CB8AC3E}">
-        <p14:creationId xmlns:p14="http://schemas.microsoft.com/office/powerpoint/2010/main" val="301152564"/>
+        <p14:creationId xmlns:p14="http://schemas.microsoft.com/office/powerpoint/2010/main" xmlns="" val="301152564"/>
       </p:ext>
     </p:extLst>
   </p:cSld>
   <p:clrMapOvr>
     <a:masterClrMapping/>
   </p:clrMapOvr>
+  <p:timing>
+    <p:tnLst>
+      <p:par>
+        <p:cTn id="1" dur="indefinite" restart="never" nodeType="tmRoot"/>
+      </p:par>
+    </p:tnLst>
+  </p:timing>
 </p:sld>
 </file>
 
@@ -4198,7 +4156,17 @@
                 <a:latin typeface="Microsoft JhengHei" panose="020B0604030504040204" pitchFamily="34" charset="-120"/>
                 <a:ea typeface="Microsoft JhengHei" panose="020B0604030504040204" pitchFamily="34" charset="-120"/>
               </a:rPr>
-              <a:t>和耶穌</a:t>
+              <a:t>和耶穌談</a:t>
+            </a:r>
+            <a:r>
+              <a:rPr lang="en-US" altLang="zh-CN" sz="5400" b="1" dirty="0">
+                <a:solidFill>
+                  <a:srgbClr val="660033"/>
+                </a:solidFill>
+                <a:latin typeface="Microsoft JhengHei" panose="020B0604030504040204" pitchFamily="34" charset="-120"/>
+                <a:ea typeface="Microsoft JhengHei" panose="020B0604030504040204" pitchFamily="34" charset="-120"/>
+              </a:rPr>
+              <a:t>  </a:t>
             </a:r>
             <a:r>
               <a:rPr lang="zh-CN" altLang="zh-TW" sz="5400" b="1" dirty="0">
@@ -4208,7 +4176,7 @@
                 <a:latin typeface="Microsoft JhengHei" panose="020B0604030504040204" pitchFamily="34" charset="-120"/>
                 <a:ea typeface="Microsoft JhengHei" panose="020B0604030504040204" pitchFamily="34" charset="-120"/>
               </a:rPr>
-              <a:t>談</a:t>
+              <a:t>我即時得平安 </a:t>
             </a:r>
             <a:r>
               <a:rPr lang="en-US" altLang="zh-CN" sz="5400" b="1" dirty="0">
@@ -4218,6 +4186,41 @@
                 <a:latin typeface="Microsoft JhengHei" panose="020B0604030504040204" pitchFamily="34" charset="-120"/>
                 <a:ea typeface="Microsoft JhengHei" panose="020B0604030504040204" pitchFamily="34" charset="-120"/>
               </a:rPr>
+              <a:t> </a:t>
+            </a:r>
+            <a:r>
+              <a:rPr lang="zh-CN" altLang="zh-TW" sz="5400" b="1" dirty="0">
+                <a:solidFill>
+                  <a:srgbClr val="660033"/>
+                </a:solidFill>
+                <a:latin typeface="Microsoft JhengHei" panose="020B0604030504040204" pitchFamily="34" charset="-120"/>
+                <a:ea typeface="Microsoft JhengHei" panose="020B0604030504040204" pitchFamily="34" charset="-120"/>
+              </a:rPr>
+              <a:t>平安</a:t>
+            </a:r>
+          </a:p>
+          <a:p>
+            <a:pPr marL="0" indent="0" algn="ctr">
+              <a:buNone/>
+            </a:pPr>
+            <a:r>
+              <a:rPr lang="zh-CN" altLang="zh-TW" sz="5400" b="1" dirty="0">
+                <a:solidFill>
+                  <a:srgbClr val="660033"/>
+                </a:solidFill>
+                <a:latin typeface="Microsoft JhengHei" panose="020B0604030504040204" pitchFamily="34" charset="-120"/>
+                <a:ea typeface="Microsoft JhengHei" panose="020B0604030504040204" pitchFamily="34" charset="-120"/>
+              </a:rPr>
+              <a:t>和耶穌談</a:t>
+            </a:r>
+            <a:r>
+              <a:rPr lang="en-US" altLang="zh-CN" sz="5400" b="1" dirty="0">
+                <a:solidFill>
+                  <a:srgbClr val="660033"/>
+                </a:solidFill>
+                <a:latin typeface="Microsoft JhengHei" panose="020B0604030504040204" pitchFamily="34" charset="-120"/>
+                <a:ea typeface="Microsoft JhengHei" panose="020B0604030504040204" pitchFamily="34" charset="-120"/>
+              </a:rPr>
               <a:t>  </a:t>
             </a:r>
             <a:r>
@@ -4228,102 +4231,7 @@
                 <a:latin typeface="Microsoft JhengHei" panose="020B0604030504040204" pitchFamily="34" charset="-120"/>
                 <a:ea typeface="Microsoft JhengHei" panose="020B0604030504040204" pitchFamily="34" charset="-120"/>
               </a:rPr>
-              <a:t>我</a:t>
-            </a:r>
-            <a:r>
-              <a:rPr lang="zh-CN" altLang="zh-TW" sz="5400" b="1" dirty="0">
-                <a:solidFill>
-                  <a:srgbClr val="660033"/>
-                </a:solidFill>
-                <a:latin typeface="Microsoft JhengHei" panose="020B0604030504040204" pitchFamily="34" charset="-120"/>
-                <a:ea typeface="Microsoft JhengHei" panose="020B0604030504040204" pitchFamily="34" charset="-120"/>
-              </a:rPr>
-              <a:t>即時得平安 </a:t>
-            </a:r>
-            <a:r>
-              <a:rPr lang="en-US" altLang="zh-CN" sz="5400" b="1" dirty="0">
-                <a:solidFill>
-                  <a:srgbClr val="660033"/>
-                </a:solidFill>
-                <a:latin typeface="Microsoft JhengHei" panose="020B0604030504040204" pitchFamily="34" charset="-120"/>
-                <a:ea typeface="Microsoft JhengHei" panose="020B0604030504040204" pitchFamily="34" charset="-120"/>
-              </a:rPr>
-              <a:t> </a:t>
-            </a:r>
-            <a:r>
-              <a:rPr lang="zh-CN" altLang="zh-TW" sz="5400" b="1" dirty="0">
-                <a:solidFill>
-                  <a:srgbClr val="660033"/>
-                </a:solidFill>
-                <a:latin typeface="Microsoft JhengHei" panose="020B0604030504040204" pitchFamily="34" charset="-120"/>
-                <a:ea typeface="Microsoft JhengHei" panose="020B0604030504040204" pitchFamily="34" charset="-120"/>
-              </a:rPr>
-              <a:t>平</a:t>
-            </a:r>
-            <a:r>
-              <a:rPr lang="zh-CN" altLang="zh-TW" sz="5400" b="1" dirty="0">
-                <a:solidFill>
-                  <a:srgbClr val="660033"/>
-                </a:solidFill>
-                <a:latin typeface="Microsoft JhengHei" panose="020B0604030504040204" pitchFamily="34" charset="-120"/>
-                <a:ea typeface="Microsoft JhengHei" panose="020B0604030504040204" pitchFamily="34" charset="-120"/>
-              </a:rPr>
-              <a:t>安</a:t>
-            </a:r>
-          </a:p>
-          <a:p>
-            <a:pPr marL="0" indent="0" algn="ctr">
-              <a:buNone/>
-            </a:pPr>
-            <a:r>
-              <a:rPr lang="zh-CN" altLang="zh-TW" sz="5400" b="1" dirty="0">
-                <a:solidFill>
-                  <a:srgbClr val="660033"/>
-                </a:solidFill>
-                <a:latin typeface="Microsoft JhengHei" panose="020B0604030504040204" pitchFamily="34" charset="-120"/>
-                <a:ea typeface="Microsoft JhengHei" panose="020B0604030504040204" pitchFamily="34" charset="-120"/>
-              </a:rPr>
-              <a:t>和耶穌</a:t>
-            </a:r>
-            <a:r>
-              <a:rPr lang="zh-CN" altLang="zh-TW" sz="5400" b="1" dirty="0">
-                <a:solidFill>
-                  <a:srgbClr val="660033"/>
-                </a:solidFill>
-                <a:latin typeface="Microsoft JhengHei" panose="020B0604030504040204" pitchFamily="34" charset="-120"/>
-                <a:ea typeface="Microsoft JhengHei" panose="020B0604030504040204" pitchFamily="34" charset="-120"/>
-              </a:rPr>
-              <a:t>談</a:t>
-            </a:r>
-            <a:r>
-              <a:rPr lang="en-US" altLang="zh-CN" sz="5400" b="1" dirty="0">
-                <a:solidFill>
-                  <a:srgbClr val="660033"/>
-                </a:solidFill>
-                <a:latin typeface="Microsoft JhengHei" panose="020B0604030504040204" pitchFamily="34" charset="-120"/>
-                <a:ea typeface="Microsoft JhengHei" panose="020B0604030504040204" pitchFamily="34" charset="-120"/>
-              </a:rPr>
-              <a:t>  </a:t>
-            </a:r>
-            <a:r>
-              <a:rPr lang="zh-CN" altLang="zh-TW" sz="5400" b="1" dirty="0">
-                <a:solidFill>
-                  <a:srgbClr val="660033"/>
-                </a:solidFill>
-                <a:latin typeface="Microsoft JhengHei" panose="020B0604030504040204" pitchFamily="34" charset="-120"/>
-                <a:ea typeface="Microsoft JhengHei" panose="020B0604030504040204" pitchFamily="34" charset="-120"/>
-              </a:rPr>
-              <a:t>我</a:t>
-            </a:r>
-            <a:r>
-              <a:rPr lang="zh-CN" altLang="zh-TW" sz="5400" b="1" dirty="0">
-                <a:solidFill>
-                  <a:srgbClr val="660033"/>
-                </a:solidFill>
-                <a:latin typeface="Microsoft JhengHei" panose="020B0604030504040204" pitchFamily="34" charset="-120"/>
-                <a:ea typeface="Microsoft JhengHei" panose="020B0604030504040204" pitchFamily="34" charset="-120"/>
-              </a:rPr>
-              <a:t>即時得平安 </a:t>
+              <a:t>我即時得平安 </a:t>
             </a:r>
             <a:r>
               <a:rPr lang="en-US" altLang="zh-CN" sz="5400" b="1" dirty="0">
@@ -4365,7 +4273,17 @@
                 <a:latin typeface="Microsoft JhengHei" panose="020B0604030504040204" pitchFamily="34" charset="-120"/>
                 <a:ea typeface="Microsoft JhengHei" panose="020B0604030504040204" pitchFamily="34" charset="-120"/>
               </a:rPr>
-              <a:t>雖遇各樣試</a:t>
+              <a:t>雖遇各樣試煉</a:t>
+            </a:r>
+            <a:r>
+              <a:rPr lang="en-US" altLang="zh-CN" sz="5400" b="1" dirty="0">
+                <a:solidFill>
+                  <a:srgbClr val="660033"/>
+                </a:solidFill>
+                <a:latin typeface="Microsoft JhengHei" panose="020B0604030504040204" pitchFamily="34" charset="-120"/>
+                <a:ea typeface="Microsoft JhengHei" panose="020B0604030504040204" pitchFamily="34" charset="-120"/>
+              </a:rPr>
+              <a:t>  </a:t>
             </a:r>
             <a:r>
               <a:rPr lang="zh-CN" altLang="zh-TW" sz="5400" b="1" dirty="0">
@@ -4375,7 +4293,22 @@
                 <a:latin typeface="Microsoft JhengHei" panose="020B0604030504040204" pitchFamily="34" charset="-120"/>
                 <a:ea typeface="Microsoft JhengHei" panose="020B0604030504040204" pitchFamily="34" charset="-120"/>
               </a:rPr>
-              <a:t>煉</a:t>
+              <a:t>讚美上主仍然</a:t>
+            </a:r>
+          </a:p>
+          <a:p>
+            <a:pPr marL="0" indent="0" algn="ctr">
+              <a:buNone/>
+            </a:pPr>
+            <a:r>
+              <a:rPr lang="zh-CN" altLang="zh-TW" sz="5400" b="1" dirty="0">
+                <a:solidFill>
+                  <a:srgbClr val="660033"/>
+                </a:solidFill>
+                <a:latin typeface="Microsoft JhengHei" panose="020B0604030504040204" pitchFamily="34" charset="-120"/>
+                <a:ea typeface="Microsoft JhengHei" panose="020B0604030504040204" pitchFamily="34" charset="-120"/>
+              </a:rPr>
+              <a:t>和耶穌談</a:t>
             </a:r>
             <a:r>
               <a:rPr lang="en-US" altLang="zh-CN" sz="5400" b="1" dirty="0">
@@ -4395,7 +4328,17 @@
                 <a:latin typeface="Microsoft JhengHei" panose="020B0604030504040204" pitchFamily="34" charset="-120"/>
                 <a:ea typeface="Microsoft JhengHei" panose="020B0604030504040204" pitchFamily="34" charset="-120"/>
               </a:rPr>
-              <a:t>讚</a:t>
+              <a:t>我即時得平安 </a:t>
+            </a:r>
+            <a:r>
+              <a:rPr lang="en-US" altLang="zh-CN" sz="5400" b="1" dirty="0">
+                <a:solidFill>
+                  <a:srgbClr val="660033"/>
+                </a:solidFill>
+                <a:latin typeface="Microsoft JhengHei" panose="020B0604030504040204" pitchFamily="34" charset="-120"/>
+                <a:ea typeface="Microsoft JhengHei" panose="020B0604030504040204" pitchFamily="34" charset="-120"/>
+              </a:rPr>
+              <a:t> </a:t>
             </a:r>
             <a:r>
               <a:rPr lang="zh-CN" altLang="zh-TW" sz="5400" b="1" dirty="0">
@@ -4405,103 +4348,28 @@
                 <a:latin typeface="Microsoft JhengHei" panose="020B0604030504040204" pitchFamily="34" charset="-120"/>
                 <a:ea typeface="Microsoft JhengHei" panose="020B0604030504040204" pitchFamily="34" charset="-120"/>
               </a:rPr>
-              <a:t>美上主仍然</a:t>
-            </a:r>
-          </a:p>
-          <a:p>
-            <a:pPr marL="0" indent="0" algn="ctr">
-              <a:buNone/>
-            </a:pPr>
-            <a:r>
-              <a:rPr lang="zh-CN" altLang="zh-TW" sz="5400" b="1" dirty="0">
-                <a:solidFill>
-                  <a:srgbClr val="660033"/>
-                </a:solidFill>
-                <a:latin typeface="Microsoft JhengHei" panose="020B0604030504040204" pitchFamily="34" charset="-120"/>
-                <a:ea typeface="Microsoft JhengHei" panose="020B0604030504040204" pitchFamily="34" charset="-120"/>
-              </a:rPr>
-              <a:t>和耶穌</a:t>
-            </a:r>
-            <a:r>
-              <a:rPr lang="zh-CN" altLang="zh-TW" sz="5400" b="1" dirty="0">
-                <a:solidFill>
-                  <a:srgbClr val="660033"/>
-                </a:solidFill>
-                <a:latin typeface="Microsoft JhengHei" panose="020B0604030504040204" pitchFamily="34" charset="-120"/>
-                <a:ea typeface="Microsoft JhengHei" panose="020B0604030504040204" pitchFamily="34" charset="-120"/>
-              </a:rPr>
-              <a:t>談</a:t>
-            </a:r>
-            <a:r>
-              <a:rPr lang="en-US" altLang="zh-CN" sz="5400" b="1" dirty="0">
-                <a:solidFill>
-                  <a:srgbClr val="660033"/>
-                </a:solidFill>
-                <a:latin typeface="Microsoft JhengHei" panose="020B0604030504040204" pitchFamily="34" charset="-120"/>
-                <a:ea typeface="Microsoft JhengHei" panose="020B0604030504040204" pitchFamily="34" charset="-120"/>
-              </a:rPr>
-              <a:t>  </a:t>
-            </a:r>
-            <a:r>
-              <a:rPr lang="zh-CN" altLang="zh-TW" sz="5400" b="1" dirty="0">
-                <a:solidFill>
-                  <a:srgbClr val="660033"/>
-                </a:solidFill>
-                <a:latin typeface="Microsoft JhengHei" panose="020B0604030504040204" pitchFamily="34" charset="-120"/>
-                <a:ea typeface="Microsoft JhengHei" panose="020B0604030504040204" pitchFamily="34" charset="-120"/>
-              </a:rPr>
-              <a:t>我</a:t>
-            </a:r>
-            <a:r>
-              <a:rPr lang="zh-CN" altLang="zh-TW" sz="5400" b="1" dirty="0">
-                <a:solidFill>
-                  <a:srgbClr val="660033"/>
-                </a:solidFill>
-                <a:latin typeface="Microsoft JhengHei" panose="020B0604030504040204" pitchFamily="34" charset="-120"/>
-                <a:ea typeface="Microsoft JhengHei" panose="020B0604030504040204" pitchFamily="34" charset="-120"/>
-              </a:rPr>
-              <a:t>即時得平安 </a:t>
-            </a:r>
-            <a:r>
-              <a:rPr lang="en-US" altLang="zh-CN" sz="5400" b="1" dirty="0">
-                <a:solidFill>
-                  <a:srgbClr val="660033"/>
-                </a:solidFill>
-                <a:latin typeface="Microsoft JhengHei" panose="020B0604030504040204" pitchFamily="34" charset="-120"/>
-                <a:ea typeface="Microsoft JhengHei" panose="020B0604030504040204" pitchFamily="34" charset="-120"/>
-              </a:rPr>
-              <a:t> </a:t>
-            </a:r>
-            <a:r>
-              <a:rPr lang="zh-CN" altLang="zh-TW" sz="5400" b="1" dirty="0">
-                <a:solidFill>
-                  <a:srgbClr val="660033"/>
-                </a:solidFill>
-                <a:latin typeface="Microsoft JhengHei" panose="020B0604030504040204" pitchFamily="34" charset="-120"/>
-                <a:ea typeface="Microsoft JhengHei" panose="020B0604030504040204" pitchFamily="34" charset="-120"/>
-              </a:rPr>
               <a:t>平安</a:t>
             </a:r>
-            <a:endParaRPr lang="zh-CN" altLang="zh-TW" sz="5400" b="1" dirty="0">
-              <a:solidFill>
-                <a:srgbClr val="660033"/>
-              </a:solidFill>
-              <a:latin typeface="Microsoft JhengHei" panose="020B0604030504040204" pitchFamily="34" charset="-120"/>
-              <a:ea typeface="Microsoft JhengHei" panose="020B0604030504040204" pitchFamily="34" charset="-120"/>
-            </a:endParaRPr>
           </a:p>
         </p:txBody>
       </p:sp>
     </p:spTree>
     <p:extLst>
       <p:ext uri="{BB962C8B-B14F-4D97-AF65-F5344CB8AC3E}">
-        <p14:creationId xmlns:p14="http://schemas.microsoft.com/office/powerpoint/2010/main" val="949813248"/>
+        <p14:creationId xmlns:p14="http://schemas.microsoft.com/office/powerpoint/2010/main" xmlns="" val="949813248"/>
       </p:ext>
     </p:extLst>
   </p:cSld>
   <p:clrMapOvr>
     <a:masterClrMapping/>
   </p:clrMapOvr>
+  <p:timing>
+    <p:tnLst>
+      <p:par>
+        <p:cTn id="1" dur="indefinite" restart="never" nodeType="tmRoot"/>
+      </p:par>
+    </p:tnLst>
+  </p:timing>
 </p:sld>
 </file>
 
@@ -4600,7 +4468,17 @@
                 <a:latin typeface="Microsoft JhengHei" panose="020B0604030504040204" pitchFamily="34" charset="-120"/>
                 <a:ea typeface="Microsoft JhengHei" panose="020B0604030504040204" pitchFamily="34" charset="-120"/>
               </a:rPr>
-              <a:t>以前那些親愛朋</a:t>
+              <a:t>以前那些親愛朋友</a:t>
+            </a:r>
+            <a:r>
+              <a:rPr lang="en-US" altLang="zh-CN" sz="5400" b="1" dirty="0">
+                <a:solidFill>
+                  <a:srgbClr val="660033"/>
+                </a:solidFill>
+                <a:latin typeface="Microsoft JhengHei" panose="020B0604030504040204" pitchFamily="34" charset="-120"/>
+                <a:ea typeface="Microsoft JhengHei" panose="020B0604030504040204" pitchFamily="34" charset="-120"/>
+              </a:rPr>
+              <a:t>  </a:t>
             </a:r>
             <a:r>
               <a:rPr lang="zh-CN" altLang="zh-TW" sz="5400" b="1" dirty="0">
@@ -4610,7 +4488,22 @@
                 <a:latin typeface="Microsoft JhengHei" panose="020B0604030504040204" pitchFamily="34" charset="-120"/>
                 <a:ea typeface="Microsoft JhengHei" panose="020B0604030504040204" pitchFamily="34" charset="-120"/>
               </a:rPr>
-              <a:t>友</a:t>
+              <a:t>誰想竟變為仇</a:t>
+            </a:r>
+          </a:p>
+          <a:p>
+            <a:pPr marL="0" indent="0" algn="ctr">
+              <a:buNone/>
+            </a:pPr>
+            <a:r>
+              <a:rPr lang="zh-CN" altLang="zh-TW" sz="5400" b="1" dirty="0">
+                <a:solidFill>
+                  <a:srgbClr val="660033"/>
+                </a:solidFill>
+                <a:latin typeface="Microsoft JhengHei" panose="020B0604030504040204" pitchFamily="34" charset="-120"/>
+                <a:ea typeface="Microsoft JhengHei" panose="020B0604030504040204" pitchFamily="34" charset="-120"/>
+              </a:rPr>
+              <a:t>當日應許甘苦同受</a:t>
             </a:r>
             <a:r>
               <a:rPr lang="en-US" altLang="zh-CN" sz="5400" b="1" dirty="0">
@@ -4630,82 +4523,7 @@
                 <a:latin typeface="Microsoft JhengHei" panose="020B0604030504040204" pitchFamily="34" charset="-120"/>
                 <a:ea typeface="Microsoft JhengHei" panose="020B0604030504040204" pitchFamily="34" charset="-120"/>
               </a:rPr>
-              <a:t>誰</a:t>
-            </a:r>
-            <a:r>
-              <a:rPr lang="zh-CN" altLang="zh-TW" sz="5400" b="1" dirty="0">
-                <a:solidFill>
-                  <a:srgbClr val="660033"/>
-                </a:solidFill>
-                <a:latin typeface="Microsoft JhengHei" panose="020B0604030504040204" pitchFamily="34" charset="-120"/>
-                <a:ea typeface="Microsoft JhengHei" panose="020B0604030504040204" pitchFamily="34" charset="-120"/>
-              </a:rPr>
-              <a:t>想竟變為仇</a:t>
-            </a:r>
-          </a:p>
-          <a:p>
-            <a:pPr marL="0" indent="0" algn="ctr">
-              <a:buNone/>
-            </a:pPr>
-            <a:r>
-              <a:rPr lang="zh-CN" altLang="zh-TW" sz="5400" b="1" dirty="0">
-                <a:solidFill>
-                  <a:srgbClr val="660033"/>
-                </a:solidFill>
-                <a:latin typeface="Microsoft JhengHei" panose="020B0604030504040204" pitchFamily="34" charset="-120"/>
-                <a:ea typeface="Microsoft JhengHei" panose="020B0604030504040204" pitchFamily="34" charset="-120"/>
-              </a:rPr>
-              <a:t>當日應許甘苦同</a:t>
-            </a:r>
-            <a:r>
-              <a:rPr lang="zh-CN" altLang="zh-TW" sz="5400" b="1" dirty="0">
-                <a:solidFill>
-                  <a:srgbClr val="660033"/>
-                </a:solidFill>
-                <a:latin typeface="Microsoft JhengHei" panose="020B0604030504040204" pitchFamily="34" charset="-120"/>
-                <a:ea typeface="Microsoft JhengHei" panose="020B0604030504040204" pitchFamily="34" charset="-120"/>
-              </a:rPr>
-              <a:t>受</a:t>
-            </a:r>
-            <a:r>
-              <a:rPr lang="en-US" altLang="zh-CN" sz="5400" b="1" dirty="0">
-                <a:solidFill>
-                  <a:srgbClr val="660033"/>
-                </a:solidFill>
-                <a:latin typeface="Microsoft JhengHei" panose="020B0604030504040204" pitchFamily="34" charset="-120"/>
-                <a:ea typeface="Microsoft JhengHei" panose="020B0604030504040204" pitchFamily="34" charset="-120"/>
-              </a:rPr>
-              <a:t>  </a:t>
-            </a:r>
-            <a:r>
-              <a:rPr lang="zh-CN" altLang="zh-TW" sz="5400" b="1" dirty="0">
-                <a:solidFill>
-                  <a:srgbClr val="660033"/>
-                </a:solidFill>
-                <a:latin typeface="Microsoft JhengHei" panose="020B0604030504040204" pitchFamily="34" charset="-120"/>
-                <a:ea typeface="Microsoft JhengHei" panose="020B0604030504040204" pitchFamily="34" charset="-120"/>
-              </a:rPr>
-              <a:t>今</a:t>
-            </a:r>
-            <a:r>
-              <a:rPr lang="zh-CN" altLang="zh-TW" sz="5400" b="1" dirty="0">
-                <a:solidFill>
-                  <a:srgbClr val="660033"/>
-                </a:solidFill>
-                <a:latin typeface="Microsoft JhengHei" panose="020B0604030504040204" pitchFamily="34" charset="-120"/>
-                <a:ea typeface="Microsoft JhengHei" panose="020B0604030504040204" pitchFamily="34" charset="-120"/>
-              </a:rPr>
-              <a:t>乃遠離他</a:t>
-            </a:r>
-            <a:r>
-              <a:rPr lang="zh-CN" altLang="zh-TW" sz="5400" b="1" dirty="0">
-                <a:solidFill>
-                  <a:srgbClr val="660033"/>
-                </a:solidFill>
-                <a:latin typeface="Microsoft JhengHei" panose="020B0604030504040204" pitchFamily="34" charset="-120"/>
-                <a:ea typeface="Microsoft JhengHei" panose="020B0604030504040204" pitchFamily="34" charset="-120"/>
-              </a:rPr>
-              <a:t>走</a:t>
+              <a:t>今乃遠離他走</a:t>
             </a:r>
             <a:endParaRPr lang="en-US" altLang="zh-CN" sz="5400" b="1" dirty="0">
               <a:solidFill>
@@ -4727,7 +4545,17 @@
                 <a:latin typeface="Microsoft JhengHei" panose="020B0604030504040204" pitchFamily="34" charset="-120"/>
                 <a:ea typeface="Microsoft JhengHei" panose="020B0604030504040204" pitchFamily="34" charset="-120"/>
               </a:rPr>
-              <a:t>對主訴我心</a:t>
+              <a:t>對主訴我心憂</a:t>
+            </a:r>
+            <a:r>
+              <a:rPr lang="en-US" altLang="zh-CN" sz="5400" b="1" dirty="0">
+                <a:solidFill>
+                  <a:srgbClr val="660033"/>
+                </a:solidFill>
+                <a:latin typeface="Microsoft JhengHei" panose="020B0604030504040204" pitchFamily="34" charset="-120"/>
+                <a:ea typeface="Microsoft JhengHei" panose="020B0604030504040204" pitchFamily="34" charset="-120"/>
+              </a:rPr>
+              <a:t>  </a:t>
             </a:r>
             <a:r>
               <a:rPr lang="zh-CN" altLang="zh-TW" sz="5400" b="1" dirty="0">
@@ -4737,7 +4565,22 @@
                 <a:latin typeface="Microsoft JhengHei" panose="020B0604030504040204" pitchFamily="34" charset="-120"/>
                 <a:ea typeface="Microsoft JhengHei" panose="020B0604030504040204" pitchFamily="34" charset="-120"/>
               </a:rPr>
-              <a:t>憂</a:t>
+              <a:t>一訴便得拯救</a:t>
+            </a:r>
+          </a:p>
+          <a:p>
+            <a:pPr marL="0" indent="0" algn="ctr">
+              <a:buNone/>
+            </a:pPr>
+            <a:r>
+              <a:rPr lang="zh-CN" altLang="zh-TW" sz="5400" b="1" dirty="0">
+                <a:solidFill>
+                  <a:srgbClr val="660033"/>
+                </a:solidFill>
+                <a:latin typeface="Microsoft JhengHei" panose="020B0604030504040204" pitchFamily="34" charset="-120"/>
+                <a:ea typeface="Microsoft JhengHei" panose="020B0604030504040204" pitchFamily="34" charset="-120"/>
+              </a:rPr>
+              <a:t>和耶穌談</a:t>
             </a:r>
             <a:r>
               <a:rPr lang="en-US" altLang="zh-CN" sz="5400" b="1" dirty="0">
@@ -4757,7 +4600,17 @@
                 <a:latin typeface="Microsoft JhengHei" panose="020B0604030504040204" pitchFamily="34" charset="-120"/>
                 <a:ea typeface="Microsoft JhengHei" panose="020B0604030504040204" pitchFamily="34" charset="-120"/>
               </a:rPr>
-              <a:t>一</a:t>
+              <a:t>我即時得平安 </a:t>
+            </a:r>
+            <a:r>
+              <a:rPr lang="en-US" altLang="zh-CN" sz="5400" b="1" dirty="0">
+                <a:solidFill>
+                  <a:srgbClr val="660033"/>
+                </a:solidFill>
+                <a:latin typeface="Microsoft JhengHei" panose="020B0604030504040204" pitchFamily="34" charset="-120"/>
+                <a:ea typeface="Microsoft JhengHei" panose="020B0604030504040204" pitchFamily="34" charset="-120"/>
+              </a:rPr>
+              <a:t> </a:t>
             </a:r>
             <a:r>
               <a:rPr lang="zh-CN" altLang="zh-TW" sz="5400" b="1" dirty="0">
@@ -4767,90 +4620,8 @@
                 <a:latin typeface="Microsoft JhengHei" panose="020B0604030504040204" pitchFamily="34" charset="-120"/>
                 <a:ea typeface="Microsoft JhengHei" panose="020B0604030504040204" pitchFamily="34" charset="-120"/>
               </a:rPr>
-              <a:t>訴便得拯救</a:t>
-            </a:r>
-          </a:p>
-          <a:p>
-            <a:pPr marL="0" indent="0" algn="ctr">
-              <a:buNone/>
-            </a:pPr>
-            <a:r>
-              <a:rPr lang="zh-CN" altLang="zh-TW" sz="5400" b="1" dirty="0">
-                <a:solidFill>
-                  <a:srgbClr val="660033"/>
-                </a:solidFill>
-                <a:latin typeface="Microsoft JhengHei" panose="020B0604030504040204" pitchFamily="34" charset="-120"/>
-                <a:ea typeface="Microsoft JhengHei" panose="020B0604030504040204" pitchFamily="34" charset="-120"/>
-              </a:rPr>
-              <a:t>和耶穌</a:t>
-            </a:r>
-            <a:r>
-              <a:rPr lang="zh-CN" altLang="zh-TW" sz="5400" b="1" dirty="0">
-                <a:solidFill>
-                  <a:srgbClr val="660033"/>
-                </a:solidFill>
-                <a:latin typeface="Microsoft JhengHei" panose="020B0604030504040204" pitchFamily="34" charset="-120"/>
-                <a:ea typeface="Microsoft JhengHei" panose="020B0604030504040204" pitchFamily="34" charset="-120"/>
-              </a:rPr>
-              <a:t>談</a:t>
-            </a:r>
-            <a:r>
-              <a:rPr lang="en-US" altLang="zh-CN" sz="5400" b="1" dirty="0">
-                <a:solidFill>
-                  <a:srgbClr val="660033"/>
-                </a:solidFill>
-                <a:latin typeface="Microsoft JhengHei" panose="020B0604030504040204" pitchFamily="34" charset="-120"/>
-                <a:ea typeface="Microsoft JhengHei" panose="020B0604030504040204" pitchFamily="34" charset="-120"/>
-              </a:rPr>
-              <a:t>  </a:t>
-            </a:r>
-            <a:r>
-              <a:rPr lang="zh-CN" altLang="zh-TW" sz="5400" b="1" dirty="0">
-                <a:solidFill>
-                  <a:srgbClr val="660033"/>
-                </a:solidFill>
-                <a:latin typeface="Microsoft JhengHei" panose="020B0604030504040204" pitchFamily="34" charset="-120"/>
-                <a:ea typeface="Microsoft JhengHei" panose="020B0604030504040204" pitchFamily="34" charset="-120"/>
-              </a:rPr>
-              <a:t>我</a:t>
-            </a:r>
-            <a:r>
-              <a:rPr lang="zh-CN" altLang="zh-TW" sz="5400" b="1" dirty="0">
-                <a:solidFill>
-                  <a:srgbClr val="660033"/>
-                </a:solidFill>
-                <a:latin typeface="Microsoft JhengHei" panose="020B0604030504040204" pitchFamily="34" charset="-120"/>
-                <a:ea typeface="Microsoft JhengHei" panose="020B0604030504040204" pitchFamily="34" charset="-120"/>
-              </a:rPr>
-              <a:t>即時得平安 </a:t>
-            </a:r>
-            <a:r>
-              <a:rPr lang="en-US" altLang="zh-CN" sz="5400" b="1" dirty="0">
-                <a:solidFill>
-                  <a:srgbClr val="660033"/>
-                </a:solidFill>
-                <a:latin typeface="Microsoft JhengHei" panose="020B0604030504040204" pitchFamily="34" charset="-120"/>
-                <a:ea typeface="Microsoft JhengHei" panose="020B0604030504040204" pitchFamily="34" charset="-120"/>
-              </a:rPr>
-              <a:t> </a:t>
-            </a:r>
-            <a:r>
-              <a:rPr lang="zh-CN" altLang="zh-TW" sz="5400" b="1" dirty="0">
-                <a:solidFill>
-                  <a:srgbClr val="660033"/>
-                </a:solidFill>
-                <a:latin typeface="Microsoft JhengHei" panose="020B0604030504040204" pitchFamily="34" charset="-120"/>
-                <a:ea typeface="Microsoft JhengHei" panose="020B0604030504040204" pitchFamily="34" charset="-120"/>
-              </a:rPr>
               <a:t>平安</a:t>
             </a:r>
-            <a:endParaRPr lang="zh-CN" altLang="zh-TW" sz="5400" b="1" dirty="0">
-              <a:solidFill>
-                <a:srgbClr val="660033"/>
-              </a:solidFill>
-              <a:latin typeface="Microsoft JhengHei" panose="020B0604030504040204" pitchFamily="34" charset="-120"/>
-              <a:ea typeface="Microsoft JhengHei" panose="020B0604030504040204" pitchFamily="34" charset="-120"/>
-            </a:endParaRPr>
           </a:p>
         </p:txBody>
       </p:sp>
@@ -4908,7 +4679,7 @@
     </p:spTree>
     <p:extLst>
       <p:ext uri="{BB962C8B-B14F-4D97-AF65-F5344CB8AC3E}">
-        <p14:creationId xmlns:p14="http://schemas.microsoft.com/office/powerpoint/2010/main" val="4159131429"/>
+        <p14:creationId xmlns:p14="http://schemas.microsoft.com/office/powerpoint/2010/main" xmlns="" val="4159131429"/>
       </p:ext>
     </p:extLst>
   </p:cSld>
@@ -5013,7 +4784,17 @@
                 <a:latin typeface="Microsoft JhengHei" panose="020B0604030504040204" pitchFamily="34" charset="-120"/>
                 <a:ea typeface="Microsoft JhengHei" panose="020B0604030504040204" pitchFamily="34" charset="-120"/>
               </a:rPr>
-              <a:t>和耶穌</a:t>
+              <a:t>和耶穌談</a:t>
+            </a:r>
+            <a:r>
+              <a:rPr lang="en-US" altLang="zh-CN" sz="5400" b="1" dirty="0">
+                <a:solidFill>
+                  <a:srgbClr val="660033"/>
+                </a:solidFill>
+                <a:latin typeface="Microsoft JhengHei" panose="020B0604030504040204" pitchFamily="34" charset="-120"/>
+                <a:ea typeface="Microsoft JhengHei" panose="020B0604030504040204" pitchFamily="34" charset="-120"/>
+              </a:rPr>
+              <a:t>  </a:t>
             </a:r>
             <a:r>
               <a:rPr lang="zh-CN" altLang="zh-TW" sz="5400" b="1" dirty="0">
@@ -5023,7 +4804,7 @@
                 <a:latin typeface="Microsoft JhengHei" panose="020B0604030504040204" pitchFamily="34" charset="-120"/>
                 <a:ea typeface="Microsoft JhengHei" panose="020B0604030504040204" pitchFamily="34" charset="-120"/>
               </a:rPr>
-              <a:t>談</a:t>
+              <a:t>我即時得平安 </a:t>
             </a:r>
             <a:r>
               <a:rPr lang="en-US" altLang="zh-CN" sz="5400" b="1" dirty="0">
@@ -5033,6 +4814,41 @@
                 <a:latin typeface="Microsoft JhengHei" panose="020B0604030504040204" pitchFamily="34" charset="-120"/>
                 <a:ea typeface="Microsoft JhengHei" panose="020B0604030504040204" pitchFamily="34" charset="-120"/>
               </a:rPr>
+              <a:t> </a:t>
+            </a:r>
+            <a:r>
+              <a:rPr lang="zh-CN" altLang="zh-TW" sz="5400" b="1" dirty="0">
+                <a:solidFill>
+                  <a:srgbClr val="660033"/>
+                </a:solidFill>
+                <a:latin typeface="Microsoft JhengHei" panose="020B0604030504040204" pitchFamily="34" charset="-120"/>
+                <a:ea typeface="Microsoft JhengHei" panose="020B0604030504040204" pitchFamily="34" charset="-120"/>
+              </a:rPr>
+              <a:t>平安</a:t>
+            </a:r>
+          </a:p>
+          <a:p>
+            <a:pPr marL="0" indent="0" algn="ctr">
+              <a:buNone/>
+            </a:pPr>
+            <a:r>
+              <a:rPr lang="zh-CN" altLang="zh-TW" sz="5400" b="1" dirty="0">
+                <a:solidFill>
+                  <a:srgbClr val="660033"/>
+                </a:solidFill>
+                <a:latin typeface="Microsoft JhengHei" panose="020B0604030504040204" pitchFamily="34" charset="-120"/>
+                <a:ea typeface="Microsoft JhengHei" panose="020B0604030504040204" pitchFamily="34" charset="-120"/>
+              </a:rPr>
+              <a:t>和耶穌談</a:t>
+            </a:r>
+            <a:r>
+              <a:rPr lang="en-US" altLang="zh-CN" sz="5400" b="1" dirty="0">
+                <a:solidFill>
+                  <a:srgbClr val="660033"/>
+                </a:solidFill>
+                <a:latin typeface="Microsoft JhengHei" panose="020B0604030504040204" pitchFamily="34" charset="-120"/>
+                <a:ea typeface="Microsoft JhengHei" panose="020B0604030504040204" pitchFamily="34" charset="-120"/>
+              </a:rPr>
               <a:t>  </a:t>
             </a:r>
             <a:r>
@@ -5043,102 +4859,7 @@
                 <a:latin typeface="Microsoft JhengHei" panose="020B0604030504040204" pitchFamily="34" charset="-120"/>
                 <a:ea typeface="Microsoft JhengHei" panose="020B0604030504040204" pitchFamily="34" charset="-120"/>
               </a:rPr>
-              <a:t>我</a:t>
-            </a:r>
-            <a:r>
-              <a:rPr lang="zh-CN" altLang="zh-TW" sz="5400" b="1" dirty="0">
-                <a:solidFill>
-                  <a:srgbClr val="660033"/>
-                </a:solidFill>
-                <a:latin typeface="Microsoft JhengHei" panose="020B0604030504040204" pitchFamily="34" charset="-120"/>
-                <a:ea typeface="Microsoft JhengHei" panose="020B0604030504040204" pitchFamily="34" charset="-120"/>
-              </a:rPr>
-              <a:t>即時得平安 </a:t>
-            </a:r>
-            <a:r>
-              <a:rPr lang="en-US" altLang="zh-CN" sz="5400" b="1" dirty="0">
-                <a:solidFill>
-                  <a:srgbClr val="660033"/>
-                </a:solidFill>
-                <a:latin typeface="Microsoft JhengHei" panose="020B0604030504040204" pitchFamily="34" charset="-120"/>
-                <a:ea typeface="Microsoft JhengHei" panose="020B0604030504040204" pitchFamily="34" charset="-120"/>
-              </a:rPr>
-              <a:t> </a:t>
-            </a:r>
-            <a:r>
-              <a:rPr lang="zh-CN" altLang="zh-TW" sz="5400" b="1" dirty="0">
-                <a:solidFill>
-                  <a:srgbClr val="660033"/>
-                </a:solidFill>
-                <a:latin typeface="Microsoft JhengHei" panose="020B0604030504040204" pitchFamily="34" charset="-120"/>
-                <a:ea typeface="Microsoft JhengHei" panose="020B0604030504040204" pitchFamily="34" charset="-120"/>
-              </a:rPr>
-              <a:t>平</a:t>
-            </a:r>
-            <a:r>
-              <a:rPr lang="zh-CN" altLang="zh-TW" sz="5400" b="1" dirty="0">
-                <a:solidFill>
-                  <a:srgbClr val="660033"/>
-                </a:solidFill>
-                <a:latin typeface="Microsoft JhengHei" panose="020B0604030504040204" pitchFamily="34" charset="-120"/>
-                <a:ea typeface="Microsoft JhengHei" panose="020B0604030504040204" pitchFamily="34" charset="-120"/>
-              </a:rPr>
-              <a:t>安</a:t>
-            </a:r>
-          </a:p>
-          <a:p>
-            <a:pPr marL="0" indent="0" algn="ctr">
-              <a:buNone/>
-            </a:pPr>
-            <a:r>
-              <a:rPr lang="zh-CN" altLang="zh-TW" sz="5400" b="1" dirty="0">
-                <a:solidFill>
-                  <a:srgbClr val="660033"/>
-                </a:solidFill>
-                <a:latin typeface="Microsoft JhengHei" panose="020B0604030504040204" pitchFamily="34" charset="-120"/>
-                <a:ea typeface="Microsoft JhengHei" panose="020B0604030504040204" pitchFamily="34" charset="-120"/>
-              </a:rPr>
-              <a:t>和耶穌</a:t>
-            </a:r>
-            <a:r>
-              <a:rPr lang="zh-CN" altLang="zh-TW" sz="5400" b="1" dirty="0">
-                <a:solidFill>
-                  <a:srgbClr val="660033"/>
-                </a:solidFill>
-                <a:latin typeface="Microsoft JhengHei" panose="020B0604030504040204" pitchFamily="34" charset="-120"/>
-                <a:ea typeface="Microsoft JhengHei" panose="020B0604030504040204" pitchFamily="34" charset="-120"/>
-              </a:rPr>
-              <a:t>談</a:t>
-            </a:r>
-            <a:r>
-              <a:rPr lang="en-US" altLang="zh-CN" sz="5400" b="1" dirty="0">
-                <a:solidFill>
-                  <a:srgbClr val="660033"/>
-                </a:solidFill>
-                <a:latin typeface="Microsoft JhengHei" panose="020B0604030504040204" pitchFamily="34" charset="-120"/>
-                <a:ea typeface="Microsoft JhengHei" panose="020B0604030504040204" pitchFamily="34" charset="-120"/>
-              </a:rPr>
-              <a:t>  </a:t>
-            </a:r>
-            <a:r>
-              <a:rPr lang="zh-CN" altLang="zh-TW" sz="5400" b="1" dirty="0">
-                <a:solidFill>
-                  <a:srgbClr val="660033"/>
-                </a:solidFill>
-                <a:latin typeface="Microsoft JhengHei" panose="020B0604030504040204" pitchFamily="34" charset="-120"/>
-                <a:ea typeface="Microsoft JhengHei" panose="020B0604030504040204" pitchFamily="34" charset="-120"/>
-              </a:rPr>
-              <a:t>我</a:t>
-            </a:r>
-            <a:r>
-              <a:rPr lang="zh-CN" altLang="zh-TW" sz="5400" b="1" dirty="0">
-                <a:solidFill>
-                  <a:srgbClr val="660033"/>
-                </a:solidFill>
-                <a:latin typeface="Microsoft JhengHei" panose="020B0604030504040204" pitchFamily="34" charset="-120"/>
-                <a:ea typeface="Microsoft JhengHei" panose="020B0604030504040204" pitchFamily="34" charset="-120"/>
-              </a:rPr>
-              <a:t>即時得平安 </a:t>
+              <a:t>我即時得平安 </a:t>
             </a:r>
             <a:r>
               <a:rPr lang="en-US" altLang="zh-CN" sz="5400" b="1" dirty="0">
@@ -5180,7 +4901,17 @@
                 <a:latin typeface="Microsoft JhengHei" panose="020B0604030504040204" pitchFamily="34" charset="-120"/>
                 <a:ea typeface="Microsoft JhengHei" panose="020B0604030504040204" pitchFamily="34" charset="-120"/>
               </a:rPr>
-              <a:t>雖遇各樣試</a:t>
+              <a:t>雖遇各樣試煉</a:t>
+            </a:r>
+            <a:r>
+              <a:rPr lang="en-US" altLang="zh-CN" sz="5400" b="1" dirty="0">
+                <a:solidFill>
+                  <a:srgbClr val="660033"/>
+                </a:solidFill>
+                <a:latin typeface="Microsoft JhengHei" panose="020B0604030504040204" pitchFamily="34" charset="-120"/>
+                <a:ea typeface="Microsoft JhengHei" panose="020B0604030504040204" pitchFamily="34" charset="-120"/>
+              </a:rPr>
+              <a:t>  </a:t>
             </a:r>
             <a:r>
               <a:rPr lang="zh-CN" altLang="zh-TW" sz="5400" b="1" dirty="0">
@@ -5190,7 +4921,22 @@
                 <a:latin typeface="Microsoft JhengHei" panose="020B0604030504040204" pitchFamily="34" charset="-120"/>
                 <a:ea typeface="Microsoft JhengHei" panose="020B0604030504040204" pitchFamily="34" charset="-120"/>
               </a:rPr>
-              <a:t>煉</a:t>
+              <a:t>讚美上主仍然</a:t>
+            </a:r>
+          </a:p>
+          <a:p>
+            <a:pPr marL="0" indent="0" algn="ctr">
+              <a:buNone/>
+            </a:pPr>
+            <a:r>
+              <a:rPr lang="zh-CN" altLang="zh-TW" sz="5400" b="1" dirty="0">
+                <a:solidFill>
+                  <a:srgbClr val="660033"/>
+                </a:solidFill>
+                <a:latin typeface="Microsoft JhengHei" panose="020B0604030504040204" pitchFamily="34" charset="-120"/>
+                <a:ea typeface="Microsoft JhengHei" panose="020B0604030504040204" pitchFamily="34" charset="-120"/>
+              </a:rPr>
+              <a:t>和耶穌談</a:t>
             </a:r>
             <a:r>
               <a:rPr lang="en-US" altLang="zh-CN" sz="5400" b="1" dirty="0">
@@ -5210,7 +4956,17 @@
                 <a:latin typeface="Microsoft JhengHei" panose="020B0604030504040204" pitchFamily="34" charset="-120"/>
                 <a:ea typeface="Microsoft JhengHei" panose="020B0604030504040204" pitchFamily="34" charset="-120"/>
               </a:rPr>
-              <a:t>讚</a:t>
+              <a:t>我即時得平安 </a:t>
+            </a:r>
+            <a:r>
+              <a:rPr lang="en-US" altLang="zh-CN" sz="5400" b="1" dirty="0">
+                <a:solidFill>
+                  <a:srgbClr val="660033"/>
+                </a:solidFill>
+                <a:latin typeface="Microsoft JhengHei" panose="020B0604030504040204" pitchFamily="34" charset="-120"/>
+                <a:ea typeface="Microsoft JhengHei" panose="020B0604030504040204" pitchFamily="34" charset="-120"/>
+              </a:rPr>
+              <a:t> </a:t>
             </a:r>
             <a:r>
               <a:rPr lang="zh-CN" altLang="zh-TW" sz="5400" b="1" dirty="0">
@@ -5220,97 +4976,15 @@
                 <a:latin typeface="Microsoft JhengHei" panose="020B0604030504040204" pitchFamily="34" charset="-120"/>
                 <a:ea typeface="Microsoft JhengHei" panose="020B0604030504040204" pitchFamily="34" charset="-120"/>
               </a:rPr>
-              <a:t>美上主仍然</a:t>
-            </a:r>
-          </a:p>
-          <a:p>
-            <a:pPr marL="0" indent="0" algn="ctr">
-              <a:buNone/>
-            </a:pPr>
-            <a:r>
-              <a:rPr lang="zh-CN" altLang="zh-TW" sz="5400" b="1" dirty="0">
-                <a:solidFill>
-                  <a:srgbClr val="660033"/>
-                </a:solidFill>
-                <a:latin typeface="Microsoft JhengHei" panose="020B0604030504040204" pitchFamily="34" charset="-120"/>
-                <a:ea typeface="Microsoft JhengHei" panose="020B0604030504040204" pitchFamily="34" charset="-120"/>
-              </a:rPr>
-              <a:t>和耶穌</a:t>
-            </a:r>
-            <a:r>
-              <a:rPr lang="zh-CN" altLang="zh-TW" sz="5400" b="1" dirty="0">
-                <a:solidFill>
-                  <a:srgbClr val="660033"/>
-                </a:solidFill>
-                <a:latin typeface="Microsoft JhengHei" panose="020B0604030504040204" pitchFamily="34" charset="-120"/>
-                <a:ea typeface="Microsoft JhengHei" panose="020B0604030504040204" pitchFamily="34" charset="-120"/>
-              </a:rPr>
-              <a:t>談</a:t>
-            </a:r>
-            <a:r>
-              <a:rPr lang="en-US" altLang="zh-CN" sz="5400" b="1" dirty="0">
-                <a:solidFill>
-                  <a:srgbClr val="660033"/>
-                </a:solidFill>
-                <a:latin typeface="Microsoft JhengHei" panose="020B0604030504040204" pitchFamily="34" charset="-120"/>
-                <a:ea typeface="Microsoft JhengHei" panose="020B0604030504040204" pitchFamily="34" charset="-120"/>
-              </a:rPr>
-              <a:t>  </a:t>
-            </a:r>
-            <a:r>
-              <a:rPr lang="zh-CN" altLang="zh-TW" sz="5400" b="1" dirty="0">
-                <a:solidFill>
-                  <a:srgbClr val="660033"/>
-                </a:solidFill>
-                <a:latin typeface="Microsoft JhengHei" panose="020B0604030504040204" pitchFamily="34" charset="-120"/>
-                <a:ea typeface="Microsoft JhengHei" panose="020B0604030504040204" pitchFamily="34" charset="-120"/>
-              </a:rPr>
-              <a:t>我</a:t>
-            </a:r>
-            <a:r>
-              <a:rPr lang="zh-CN" altLang="zh-TW" sz="5400" b="1" dirty="0">
-                <a:solidFill>
-                  <a:srgbClr val="660033"/>
-                </a:solidFill>
-                <a:latin typeface="Microsoft JhengHei" panose="020B0604030504040204" pitchFamily="34" charset="-120"/>
-                <a:ea typeface="Microsoft JhengHei" panose="020B0604030504040204" pitchFamily="34" charset="-120"/>
-              </a:rPr>
-              <a:t>即時得平安 </a:t>
-            </a:r>
-            <a:r>
-              <a:rPr lang="en-US" altLang="zh-CN" sz="5400" b="1" dirty="0">
-                <a:solidFill>
-                  <a:srgbClr val="660033"/>
-                </a:solidFill>
-                <a:latin typeface="Microsoft JhengHei" panose="020B0604030504040204" pitchFamily="34" charset="-120"/>
-                <a:ea typeface="Microsoft JhengHei" panose="020B0604030504040204" pitchFamily="34" charset="-120"/>
-              </a:rPr>
-              <a:t> </a:t>
-            </a:r>
-            <a:r>
-              <a:rPr lang="zh-CN" altLang="zh-TW" sz="5400" b="1" dirty="0">
-                <a:solidFill>
-                  <a:srgbClr val="660033"/>
-                </a:solidFill>
-                <a:latin typeface="Microsoft JhengHei" panose="020B0604030504040204" pitchFamily="34" charset="-120"/>
-                <a:ea typeface="Microsoft JhengHei" panose="020B0604030504040204" pitchFamily="34" charset="-120"/>
-              </a:rPr>
               <a:t>平安</a:t>
             </a:r>
-            <a:endParaRPr lang="zh-CN" altLang="zh-TW" sz="5400" b="1" dirty="0">
-              <a:solidFill>
-                <a:srgbClr val="660033"/>
-              </a:solidFill>
-              <a:latin typeface="Microsoft JhengHei" panose="020B0604030504040204" pitchFamily="34" charset="-120"/>
-              <a:ea typeface="Microsoft JhengHei" panose="020B0604030504040204" pitchFamily="34" charset="-120"/>
-            </a:endParaRPr>
           </a:p>
         </p:txBody>
       </p:sp>
     </p:spTree>
     <p:extLst>
       <p:ext uri="{BB962C8B-B14F-4D97-AF65-F5344CB8AC3E}">
-        <p14:creationId xmlns:p14="http://schemas.microsoft.com/office/powerpoint/2010/main" val="2385159823"/>
+        <p14:creationId xmlns:p14="http://schemas.microsoft.com/office/powerpoint/2010/main" xmlns="" val="2385159823"/>
       </p:ext>
     </p:extLst>
   </p:cSld>
@@ -5415,7 +5089,17 @@
                 <a:latin typeface="Microsoft JhengHei" panose="020B0604030504040204" pitchFamily="34" charset="-120"/>
                 <a:ea typeface="Microsoft JhengHei" panose="020B0604030504040204" pitchFamily="34" charset="-120"/>
               </a:rPr>
-              <a:t>當時和主微聲細</a:t>
+              <a:t>當時和主微聲細談</a:t>
+            </a:r>
+            <a:r>
+              <a:rPr lang="en-US" altLang="zh-CN" sz="5400" b="1" dirty="0">
+                <a:solidFill>
+                  <a:srgbClr val="660033"/>
+                </a:solidFill>
+                <a:latin typeface="Microsoft JhengHei" panose="020B0604030504040204" pitchFamily="34" charset="-120"/>
+                <a:ea typeface="Microsoft JhengHei" panose="020B0604030504040204" pitchFamily="34" charset="-120"/>
+              </a:rPr>
+              <a:t>  </a:t>
             </a:r>
             <a:r>
               <a:rPr lang="zh-CN" altLang="zh-TW" sz="5400" b="1" dirty="0">
@@ -5425,7 +5109,22 @@
                 <a:latin typeface="Microsoft JhengHei" panose="020B0604030504040204" pitchFamily="34" charset="-120"/>
                 <a:ea typeface="Microsoft JhengHei" panose="020B0604030504040204" pitchFamily="34" charset="-120"/>
               </a:rPr>
-              <a:t>談</a:t>
+              <a:t>勝過試探磨難</a:t>
+            </a:r>
+          </a:p>
+          <a:p>
+            <a:pPr marL="0" indent="0" algn="ctr">
+              <a:buNone/>
+            </a:pPr>
+            <a:r>
+              <a:rPr lang="zh-CN" altLang="zh-TW" sz="5400" b="1" dirty="0">
+                <a:solidFill>
+                  <a:srgbClr val="660033"/>
+                </a:solidFill>
+                <a:latin typeface="Microsoft JhengHei" panose="020B0604030504040204" pitchFamily="34" charset="-120"/>
+                <a:ea typeface="Microsoft JhengHei" panose="020B0604030504040204" pitchFamily="34" charset="-120"/>
+              </a:rPr>
+              <a:t>前進不息歌唱壯膽</a:t>
             </a:r>
             <a:r>
               <a:rPr lang="en-US" altLang="zh-CN" sz="5400" b="1" dirty="0">
@@ -5445,82 +5144,7 @@
                 <a:latin typeface="Microsoft JhengHei" panose="020B0604030504040204" pitchFamily="34" charset="-120"/>
                 <a:ea typeface="Microsoft JhengHei" panose="020B0604030504040204" pitchFamily="34" charset="-120"/>
               </a:rPr>
-              <a:t>勝</a:t>
-            </a:r>
-            <a:r>
-              <a:rPr lang="zh-CN" altLang="zh-TW" sz="5400" b="1" dirty="0">
-                <a:solidFill>
-                  <a:srgbClr val="660033"/>
-                </a:solidFill>
-                <a:latin typeface="Microsoft JhengHei" panose="020B0604030504040204" pitchFamily="34" charset="-120"/>
-                <a:ea typeface="Microsoft JhengHei" panose="020B0604030504040204" pitchFamily="34" charset="-120"/>
-              </a:rPr>
-              <a:t>過試探磨難</a:t>
-            </a:r>
-          </a:p>
-          <a:p>
-            <a:pPr marL="0" indent="0" algn="ctr">
-              <a:buNone/>
-            </a:pPr>
-            <a:r>
-              <a:rPr lang="zh-CN" altLang="zh-TW" sz="5400" b="1" dirty="0">
-                <a:solidFill>
-                  <a:srgbClr val="660033"/>
-                </a:solidFill>
-                <a:latin typeface="Microsoft JhengHei" panose="020B0604030504040204" pitchFamily="34" charset="-120"/>
-                <a:ea typeface="Microsoft JhengHei" panose="020B0604030504040204" pitchFamily="34" charset="-120"/>
-              </a:rPr>
-              <a:t>前進不息歌唱壯</a:t>
-            </a:r>
-            <a:r>
-              <a:rPr lang="zh-CN" altLang="zh-TW" sz="5400" b="1" dirty="0">
-                <a:solidFill>
-                  <a:srgbClr val="660033"/>
-                </a:solidFill>
-                <a:latin typeface="Microsoft JhengHei" panose="020B0604030504040204" pitchFamily="34" charset="-120"/>
-                <a:ea typeface="Microsoft JhengHei" panose="020B0604030504040204" pitchFamily="34" charset="-120"/>
-              </a:rPr>
-              <a:t>膽</a:t>
-            </a:r>
-            <a:r>
-              <a:rPr lang="en-US" altLang="zh-CN" sz="5400" b="1" dirty="0">
-                <a:solidFill>
-                  <a:srgbClr val="660033"/>
-                </a:solidFill>
-                <a:latin typeface="Microsoft JhengHei" panose="020B0604030504040204" pitchFamily="34" charset="-120"/>
-                <a:ea typeface="Microsoft JhengHei" panose="020B0604030504040204" pitchFamily="34" charset="-120"/>
-              </a:rPr>
-              <a:t>  </a:t>
-            </a:r>
-            <a:r>
-              <a:rPr lang="zh-CN" altLang="zh-TW" sz="5400" b="1" dirty="0">
-                <a:solidFill>
-                  <a:srgbClr val="660033"/>
-                </a:solidFill>
-                <a:latin typeface="Microsoft JhengHei" panose="020B0604030504040204" pitchFamily="34" charset="-120"/>
-                <a:ea typeface="Microsoft JhengHei" panose="020B0604030504040204" pitchFamily="34" charset="-120"/>
-              </a:rPr>
-              <a:t>仇</a:t>
-            </a:r>
-            <a:r>
-              <a:rPr lang="zh-CN" altLang="zh-TW" sz="5400" b="1" dirty="0">
-                <a:solidFill>
-                  <a:srgbClr val="660033"/>
-                </a:solidFill>
-                <a:latin typeface="Microsoft JhengHei" panose="020B0604030504040204" pitchFamily="34" charset="-120"/>
-                <a:ea typeface="Microsoft JhengHei" panose="020B0604030504040204" pitchFamily="34" charset="-120"/>
-              </a:rPr>
-              <a:t>敵不能拘</a:t>
-            </a:r>
-            <a:r>
-              <a:rPr lang="zh-CN" altLang="zh-TW" sz="5400" b="1" dirty="0">
-                <a:solidFill>
-                  <a:srgbClr val="660033"/>
-                </a:solidFill>
-                <a:latin typeface="Microsoft JhengHei" panose="020B0604030504040204" pitchFamily="34" charset="-120"/>
-                <a:ea typeface="Microsoft JhengHei" panose="020B0604030504040204" pitchFamily="34" charset="-120"/>
-              </a:rPr>
-              <a:t>管</a:t>
+              <a:t>仇敵不能拘管</a:t>
             </a:r>
             <a:endParaRPr lang="en-US" altLang="zh-CN" sz="5400" b="1" dirty="0">
               <a:solidFill>
@@ -5542,7 +5166,17 @@
                 <a:latin typeface="Microsoft JhengHei" panose="020B0604030504040204" pitchFamily="34" charset="-120"/>
                 <a:ea typeface="Microsoft JhengHei" panose="020B0604030504040204" pitchFamily="34" charset="-120"/>
               </a:rPr>
-              <a:t>認耶穌為同</a:t>
+              <a:t>認耶穌為同伴</a:t>
+            </a:r>
+            <a:r>
+              <a:rPr lang="en-US" altLang="zh-CN" sz="5400" b="1" dirty="0">
+                <a:solidFill>
+                  <a:srgbClr val="660033"/>
+                </a:solidFill>
+                <a:latin typeface="Microsoft JhengHei" panose="020B0604030504040204" pitchFamily="34" charset="-120"/>
+                <a:ea typeface="Microsoft JhengHei" panose="020B0604030504040204" pitchFamily="34" charset="-120"/>
+              </a:rPr>
+              <a:t>  </a:t>
             </a:r>
             <a:r>
               <a:rPr lang="zh-CN" altLang="zh-TW" sz="5400" b="1" dirty="0">
@@ -5552,7 +5186,22 @@
                 <a:latin typeface="Microsoft JhengHei" panose="020B0604030504040204" pitchFamily="34" charset="-120"/>
                 <a:ea typeface="Microsoft JhengHei" panose="020B0604030504040204" pitchFamily="34" charset="-120"/>
               </a:rPr>
-              <a:t>伴</a:t>
+              <a:t>從今直至永遠</a:t>
+            </a:r>
+          </a:p>
+          <a:p>
+            <a:pPr marL="0" indent="0" algn="ctr">
+              <a:buNone/>
+            </a:pPr>
+            <a:r>
+              <a:rPr lang="zh-CN" altLang="zh-TW" sz="5400" b="1" dirty="0">
+                <a:solidFill>
+                  <a:srgbClr val="660033"/>
+                </a:solidFill>
+                <a:latin typeface="Microsoft JhengHei" panose="020B0604030504040204" pitchFamily="34" charset="-120"/>
+                <a:ea typeface="Microsoft JhengHei" panose="020B0604030504040204" pitchFamily="34" charset="-120"/>
+              </a:rPr>
+              <a:t>和耶穌談</a:t>
             </a:r>
             <a:r>
               <a:rPr lang="en-US" altLang="zh-CN" sz="5400" b="1" dirty="0">
@@ -5572,7 +5221,17 @@
                 <a:latin typeface="Microsoft JhengHei" panose="020B0604030504040204" pitchFamily="34" charset="-120"/>
                 <a:ea typeface="Microsoft JhengHei" panose="020B0604030504040204" pitchFamily="34" charset="-120"/>
               </a:rPr>
-              <a:t>從</a:t>
+              <a:t>我即時得平安 </a:t>
+            </a:r>
+            <a:r>
+              <a:rPr lang="en-US" altLang="zh-CN" sz="5400" b="1" dirty="0">
+                <a:solidFill>
+                  <a:srgbClr val="660033"/>
+                </a:solidFill>
+                <a:latin typeface="Microsoft JhengHei" panose="020B0604030504040204" pitchFamily="34" charset="-120"/>
+                <a:ea typeface="Microsoft JhengHei" panose="020B0604030504040204" pitchFamily="34" charset="-120"/>
+              </a:rPr>
+              <a:t> </a:t>
             </a:r>
             <a:r>
               <a:rPr lang="zh-CN" altLang="zh-TW" sz="5400" b="1" dirty="0">
@@ -5582,90 +5241,8 @@
                 <a:latin typeface="Microsoft JhengHei" panose="020B0604030504040204" pitchFamily="34" charset="-120"/>
                 <a:ea typeface="Microsoft JhengHei" panose="020B0604030504040204" pitchFamily="34" charset="-120"/>
               </a:rPr>
-              <a:t>今直至永遠</a:t>
-            </a:r>
-          </a:p>
-          <a:p>
-            <a:pPr marL="0" indent="0" algn="ctr">
-              <a:buNone/>
-            </a:pPr>
-            <a:r>
-              <a:rPr lang="zh-CN" altLang="zh-TW" sz="5400" b="1" dirty="0">
-                <a:solidFill>
-                  <a:srgbClr val="660033"/>
-                </a:solidFill>
-                <a:latin typeface="Microsoft JhengHei" panose="020B0604030504040204" pitchFamily="34" charset="-120"/>
-                <a:ea typeface="Microsoft JhengHei" panose="020B0604030504040204" pitchFamily="34" charset="-120"/>
-              </a:rPr>
-              <a:t>和耶穌</a:t>
-            </a:r>
-            <a:r>
-              <a:rPr lang="zh-CN" altLang="zh-TW" sz="5400" b="1" dirty="0">
-                <a:solidFill>
-                  <a:srgbClr val="660033"/>
-                </a:solidFill>
-                <a:latin typeface="Microsoft JhengHei" panose="020B0604030504040204" pitchFamily="34" charset="-120"/>
-                <a:ea typeface="Microsoft JhengHei" panose="020B0604030504040204" pitchFamily="34" charset="-120"/>
-              </a:rPr>
-              <a:t>談</a:t>
-            </a:r>
-            <a:r>
-              <a:rPr lang="en-US" altLang="zh-CN" sz="5400" b="1" dirty="0">
-                <a:solidFill>
-                  <a:srgbClr val="660033"/>
-                </a:solidFill>
-                <a:latin typeface="Microsoft JhengHei" panose="020B0604030504040204" pitchFamily="34" charset="-120"/>
-                <a:ea typeface="Microsoft JhengHei" panose="020B0604030504040204" pitchFamily="34" charset="-120"/>
-              </a:rPr>
-              <a:t>  </a:t>
-            </a:r>
-            <a:r>
-              <a:rPr lang="zh-CN" altLang="zh-TW" sz="5400" b="1" dirty="0">
-                <a:solidFill>
-                  <a:srgbClr val="660033"/>
-                </a:solidFill>
-                <a:latin typeface="Microsoft JhengHei" panose="020B0604030504040204" pitchFamily="34" charset="-120"/>
-                <a:ea typeface="Microsoft JhengHei" panose="020B0604030504040204" pitchFamily="34" charset="-120"/>
-              </a:rPr>
-              <a:t>我</a:t>
-            </a:r>
-            <a:r>
-              <a:rPr lang="zh-CN" altLang="zh-TW" sz="5400" b="1" dirty="0">
-                <a:solidFill>
-                  <a:srgbClr val="660033"/>
-                </a:solidFill>
-                <a:latin typeface="Microsoft JhengHei" panose="020B0604030504040204" pitchFamily="34" charset="-120"/>
-                <a:ea typeface="Microsoft JhengHei" panose="020B0604030504040204" pitchFamily="34" charset="-120"/>
-              </a:rPr>
-              <a:t>即時得平安 </a:t>
-            </a:r>
-            <a:r>
-              <a:rPr lang="en-US" altLang="zh-CN" sz="5400" b="1" dirty="0">
-                <a:solidFill>
-                  <a:srgbClr val="660033"/>
-                </a:solidFill>
-                <a:latin typeface="Microsoft JhengHei" panose="020B0604030504040204" pitchFamily="34" charset="-120"/>
-                <a:ea typeface="Microsoft JhengHei" panose="020B0604030504040204" pitchFamily="34" charset="-120"/>
-              </a:rPr>
-              <a:t> </a:t>
-            </a:r>
-            <a:r>
-              <a:rPr lang="zh-CN" altLang="zh-TW" sz="5400" b="1" dirty="0">
-                <a:solidFill>
-                  <a:srgbClr val="660033"/>
-                </a:solidFill>
-                <a:latin typeface="Microsoft JhengHei" panose="020B0604030504040204" pitchFamily="34" charset="-120"/>
-                <a:ea typeface="Microsoft JhengHei" panose="020B0604030504040204" pitchFamily="34" charset="-120"/>
-              </a:rPr>
               <a:t>平安</a:t>
             </a:r>
-            <a:endParaRPr lang="zh-CN" altLang="zh-TW" sz="5400" b="1" dirty="0">
-              <a:solidFill>
-                <a:srgbClr val="660033"/>
-              </a:solidFill>
-              <a:latin typeface="Microsoft JhengHei" panose="020B0604030504040204" pitchFamily="34" charset="-120"/>
-              <a:ea typeface="Microsoft JhengHei" panose="020B0604030504040204" pitchFamily="34" charset="-120"/>
-            </a:endParaRPr>
           </a:p>
         </p:txBody>
       </p:sp>
@@ -5723,7 +5300,7 @@
     </p:spTree>
     <p:extLst>
       <p:ext uri="{BB962C8B-B14F-4D97-AF65-F5344CB8AC3E}">
-        <p14:creationId xmlns:p14="http://schemas.microsoft.com/office/powerpoint/2010/main" val="3646375744"/>
+        <p14:creationId xmlns:p14="http://schemas.microsoft.com/office/powerpoint/2010/main" xmlns="" val="3646375744"/>
       </p:ext>
     </p:extLst>
   </p:cSld>
@@ -5828,7 +5405,17 @@
                 <a:latin typeface="Microsoft JhengHei" panose="020B0604030504040204" pitchFamily="34" charset="-120"/>
                 <a:ea typeface="Microsoft JhengHei" panose="020B0604030504040204" pitchFamily="34" charset="-120"/>
               </a:rPr>
-              <a:t>和耶穌</a:t>
+              <a:t>和耶穌談</a:t>
+            </a:r>
+            <a:r>
+              <a:rPr lang="en-US" altLang="zh-CN" sz="5400" b="1" dirty="0">
+                <a:solidFill>
+                  <a:srgbClr val="660033"/>
+                </a:solidFill>
+                <a:latin typeface="Microsoft JhengHei" panose="020B0604030504040204" pitchFamily="34" charset="-120"/>
+                <a:ea typeface="Microsoft JhengHei" panose="020B0604030504040204" pitchFamily="34" charset="-120"/>
+              </a:rPr>
+              <a:t>  </a:t>
             </a:r>
             <a:r>
               <a:rPr lang="zh-CN" altLang="zh-TW" sz="5400" b="1" dirty="0">
@@ -5838,7 +5425,7 @@
                 <a:latin typeface="Microsoft JhengHei" panose="020B0604030504040204" pitchFamily="34" charset="-120"/>
                 <a:ea typeface="Microsoft JhengHei" panose="020B0604030504040204" pitchFamily="34" charset="-120"/>
               </a:rPr>
-              <a:t>談</a:t>
+              <a:t>我即時得平安 </a:t>
             </a:r>
             <a:r>
               <a:rPr lang="en-US" altLang="zh-CN" sz="5400" b="1" dirty="0">
@@ -5848,6 +5435,41 @@
                 <a:latin typeface="Microsoft JhengHei" panose="020B0604030504040204" pitchFamily="34" charset="-120"/>
                 <a:ea typeface="Microsoft JhengHei" panose="020B0604030504040204" pitchFamily="34" charset="-120"/>
               </a:rPr>
+              <a:t> </a:t>
+            </a:r>
+            <a:r>
+              <a:rPr lang="zh-CN" altLang="zh-TW" sz="5400" b="1" dirty="0">
+                <a:solidFill>
+                  <a:srgbClr val="660033"/>
+                </a:solidFill>
+                <a:latin typeface="Microsoft JhengHei" panose="020B0604030504040204" pitchFamily="34" charset="-120"/>
+                <a:ea typeface="Microsoft JhengHei" panose="020B0604030504040204" pitchFamily="34" charset="-120"/>
+              </a:rPr>
+              <a:t>平安</a:t>
+            </a:r>
+          </a:p>
+          <a:p>
+            <a:pPr marL="0" indent="0" algn="ctr">
+              <a:buNone/>
+            </a:pPr>
+            <a:r>
+              <a:rPr lang="zh-CN" altLang="zh-TW" sz="5400" b="1" dirty="0">
+                <a:solidFill>
+                  <a:srgbClr val="660033"/>
+                </a:solidFill>
+                <a:latin typeface="Microsoft JhengHei" panose="020B0604030504040204" pitchFamily="34" charset="-120"/>
+                <a:ea typeface="Microsoft JhengHei" panose="020B0604030504040204" pitchFamily="34" charset="-120"/>
+              </a:rPr>
+              <a:t>和耶穌談</a:t>
+            </a:r>
+            <a:r>
+              <a:rPr lang="en-US" altLang="zh-CN" sz="5400" b="1" dirty="0">
+                <a:solidFill>
+                  <a:srgbClr val="660033"/>
+                </a:solidFill>
+                <a:latin typeface="Microsoft JhengHei" panose="020B0604030504040204" pitchFamily="34" charset="-120"/>
+                <a:ea typeface="Microsoft JhengHei" panose="020B0604030504040204" pitchFamily="34" charset="-120"/>
+              </a:rPr>
               <a:t>  </a:t>
             </a:r>
             <a:r>
@@ -5858,102 +5480,7 @@
                 <a:latin typeface="Microsoft JhengHei" panose="020B0604030504040204" pitchFamily="34" charset="-120"/>
                 <a:ea typeface="Microsoft JhengHei" panose="020B0604030504040204" pitchFamily="34" charset="-120"/>
               </a:rPr>
-              <a:t>我</a:t>
-            </a:r>
-            <a:r>
-              <a:rPr lang="zh-CN" altLang="zh-TW" sz="5400" b="1" dirty="0">
-                <a:solidFill>
-                  <a:srgbClr val="660033"/>
-                </a:solidFill>
-                <a:latin typeface="Microsoft JhengHei" panose="020B0604030504040204" pitchFamily="34" charset="-120"/>
-                <a:ea typeface="Microsoft JhengHei" panose="020B0604030504040204" pitchFamily="34" charset="-120"/>
-              </a:rPr>
-              <a:t>即時得平安 </a:t>
-            </a:r>
-            <a:r>
-              <a:rPr lang="en-US" altLang="zh-CN" sz="5400" b="1" dirty="0">
-                <a:solidFill>
-                  <a:srgbClr val="660033"/>
-                </a:solidFill>
-                <a:latin typeface="Microsoft JhengHei" panose="020B0604030504040204" pitchFamily="34" charset="-120"/>
-                <a:ea typeface="Microsoft JhengHei" panose="020B0604030504040204" pitchFamily="34" charset="-120"/>
-              </a:rPr>
-              <a:t> </a:t>
-            </a:r>
-            <a:r>
-              <a:rPr lang="zh-CN" altLang="zh-TW" sz="5400" b="1" dirty="0">
-                <a:solidFill>
-                  <a:srgbClr val="660033"/>
-                </a:solidFill>
-                <a:latin typeface="Microsoft JhengHei" panose="020B0604030504040204" pitchFamily="34" charset="-120"/>
-                <a:ea typeface="Microsoft JhengHei" panose="020B0604030504040204" pitchFamily="34" charset="-120"/>
-              </a:rPr>
-              <a:t>平</a:t>
-            </a:r>
-            <a:r>
-              <a:rPr lang="zh-CN" altLang="zh-TW" sz="5400" b="1" dirty="0">
-                <a:solidFill>
-                  <a:srgbClr val="660033"/>
-                </a:solidFill>
-                <a:latin typeface="Microsoft JhengHei" panose="020B0604030504040204" pitchFamily="34" charset="-120"/>
-                <a:ea typeface="Microsoft JhengHei" panose="020B0604030504040204" pitchFamily="34" charset="-120"/>
-              </a:rPr>
-              <a:t>安</a:t>
-            </a:r>
-          </a:p>
-          <a:p>
-            <a:pPr marL="0" indent="0" algn="ctr">
-              <a:buNone/>
-            </a:pPr>
-            <a:r>
-              <a:rPr lang="zh-CN" altLang="zh-TW" sz="5400" b="1" dirty="0">
-                <a:solidFill>
-                  <a:srgbClr val="660033"/>
-                </a:solidFill>
-                <a:latin typeface="Microsoft JhengHei" panose="020B0604030504040204" pitchFamily="34" charset="-120"/>
-                <a:ea typeface="Microsoft JhengHei" panose="020B0604030504040204" pitchFamily="34" charset="-120"/>
-              </a:rPr>
-              <a:t>和耶穌</a:t>
-            </a:r>
-            <a:r>
-              <a:rPr lang="zh-CN" altLang="zh-TW" sz="5400" b="1" dirty="0">
-                <a:solidFill>
-                  <a:srgbClr val="660033"/>
-                </a:solidFill>
-                <a:latin typeface="Microsoft JhengHei" panose="020B0604030504040204" pitchFamily="34" charset="-120"/>
-                <a:ea typeface="Microsoft JhengHei" panose="020B0604030504040204" pitchFamily="34" charset="-120"/>
-              </a:rPr>
-              <a:t>談</a:t>
-            </a:r>
-            <a:r>
-              <a:rPr lang="en-US" altLang="zh-CN" sz="5400" b="1" dirty="0">
-                <a:solidFill>
-                  <a:srgbClr val="660033"/>
-                </a:solidFill>
-                <a:latin typeface="Microsoft JhengHei" panose="020B0604030504040204" pitchFamily="34" charset="-120"/>
-                <a:ea typeface="Microsoft JhengHei" panose="020B0604030504040204" pitchFamily="34" charset="-120"/>
-              </a:rPr>
-              <a:t>  </a:t>
-            </a:r>
-            <a:r>
-              <a:rPr lang="zh-CN" altLang="zh-TW" sz="5400" b="1" dirty="0">
-                <a:solidFill>
-                  <a:srgbClr val="660033"/>
-                </a:solidFill>
-                <a:latin typeface="Microsoft JhengHei" panose="020B0604030504040204" pitchFamily="34" charset="-120"/>
-                <a:ea typeface="Microsoft JhengHei" panose="020B0604030504040204" pitchFamily="34" charset="-120"/>
-              </a:rPr>
-              <a:t>我</a:t>
-            </a:r>
-            <a:r>
-              <a:rPr lang="zh-CN" altLang="zh-TW" sz="5400" b="1" dirty="0">
-                <a:solidFill>
-                  <a:srgbClr val="660033"/>
-                </a:solidFill>
-                <a:latin typeface="Microsoft JhengHei" panose="020B0604030504040204" pitchFamily="34" charset="-120"/>
-                <a:ea typeface="Microsoft JhengHei" panose="020B0604030504040204" pitchFamily="34" charset="-120"/>
-              </a:rPr>
-              <a:t>即時得平安 </a:t>
+              <a:t>我即時得平安 </a:t>
             </a:r>
             <a:r>
               <a:rPr lang="en-US" altLang="zh-CN" sz="5400" b="1" dirty="0">
@@ -5995,7 +5522,17 @@
                 <a:latin typeface="Microsoft JhengHei" panose="020B0604030504040204" pitchFamily="34" charset="-120"/>
                 <a:ea typeface="Microsoft JhengHei" panose="020B0604030504040204" pitchFamily="34" charset="-120"/>
               </a:rPr>
-              <a:t>雖遇各樣試</a:t>
+              <a:t>雖遇各樣試煉</a:t>
+            </a:r>
+            <a:r>
+              <a:rPr lang="en-US" altLang="zh-CN" sz="5400" b="1" dirty="0">
+                <a:solidFill>
+                  <a:srgbClr val="660033"/>
+                </a:solidFill>
+                <a:latin typeface="Microsoft JhengHei" panose="020B0604030504040204" pitchFamily="34" charset="-120"/>
+                <a:ea typeface="Microsoft JhengHei" panose="020B0604030504040204" pitchFamily="34" charset="-120"/>
+              </a:rPr>
+              <a:t>  </a:t>
             </a:r>
             <a:r>
               <a:rPr lang="zh-CN" altLang="zh-TW" sz="5400" b="1" dirty="0">
@@ -6005,7 +5542,22 @@
                 <a:latin typeface="Microsoft JhengHei" panose="020B0604030504040204" pitchFamily="34" charset="-120"/>
                 <a:ea typeface="Microsoft JhengHei" panose="020B0604030504040204" pitchFamily="34" charset="-120"/>
               </a:rPr>
-              <a:t>煉</a:t>
+              <a:t>讚美上主仍然</a:t>
+            </a:r>
+          </a:p>
+          <a:p>
+            <a:pPr marL="0" indent="0" algn="ctr">
+              <a:buNone/>
+            </a:pPr>
+            <a:r>
+              <a:rPr lang="zh-CN" altLang="zh-TW" sz="5400" b="1" dirty="0">
+                <a:solidFill>
+                  <a:srgbClr val="660033"/>
+                </a:solidFill>
+                <a:latin typeface="Microsoft JhengHei" panose="020B0604030504040204" pitchFamily="34" charset="-120"/>
+                <a:ea typeface="Microsoft JhengHei" panose="020B0604030504040204" pitchFamily="34" charset="-120"/>
+              </a:rPr>
+              <a:t>和耶穌談</a:t>
             </a:r>
             <a:r>
               <a:rPr lang="en-US" altLang="zh-CN" sz="5400" b="1" dirty="0">
@@ -6025,7 +5577,17 @@
                 <a:latin typeface="Microsoft JhengHei" panose="020B0604030504040204" pitchFamily="34" charset="-120"/>
                 <a:ea typeface="Microsoft JhengHei" panose="020B0604030504040204" pitchFamily="34" charset="-120"/>
               </a:rPr>
-              <a:t>讚</a:t>
+              <a:t>我即時得平安 </a:t>
+            </a:r>
+            <a:r>
+              <a:rPr lang="en-US" altLang="zh-CN" sz="5400" b="1" dirty="0">
+                <a:solidFill>
+                  <a:srgbClr val="660033"/>
+                </a:solidFill>
+                <a:latin typeface="Microsoft JhengHei" panose="020B0604030504040204" pitchFamily="34" charset="-120"/>
+                <a:ea typeface="Microsoft JhengHei" panose="020B0604030504040204" pitchFamily="34" charset="-120"/>
+              </a:rPr>
+              <a:t> </a:t>
             </a:r>
             <a:r>
               <a:rPr lang="zh-CN" altLang="zh-TW" sz="5400" b="1" dirty="0">
@@ -6035,97 +5597,15 @@
                 <a:latin typeface="Microsoft JhengHei" panose="020B0604030504040204" pitchFamily="34" charset="-120"/>
                 <a:ea typeface="Microsoft JhengHei" panose="020B0604030504040204" pitchFamily="34" charset="-120"/>
               </a:rPr>
-              <a:t>美上主仍然</a:t>
-            </a:r>
-          </a:p>
-          <a:p>
-            <a:pPr marL="0" indent="0" algn="ctr">
-              <a:buNone/>
-            </a:pPr>
-            <a:r>
-              <a:rPr lang="zh-CN" altLang="zh-TW" sz="5400" b="1" dirty="0">
-                <a:solidFill>
-                  <a:srgbClr val="660033"/>
-                </a:solidFill>
-                <a:latin typeface="Microsoft JhengHei" panose="020B0604030504040204" pitchFamily="34" charset="-120"/>
-                <a:ea typeface="Microsoft JhengHei" panose="020B0604030504040204" pitchFamily="34" charset="-120"/>
-              </a:rPr>
-              <a:t>和耶穌</a:t>
-            </a:r>
-            <a:r>
-              <a:rPr lang="zh-CN" altLang="zh-TW" sz="5400" b="1" dirty="0">
-                <a:solidFill>
-                  <a:srgbClr val="660033"/>
-                </a:solidFill>
-                <a:latin typeface="Microsoft JhengHei" panose="020B0604030504040204" pitchFamily="34" charset="-120"/>
-                <a:ea typeface="Microsoft JhengHei" panose="020B0604030504040204" pitchFamily="34" charset="-120"/>
-              </a:rPr>
-              <a:t>談</a:t>
-            </a:r>
-            <a:r>
-              <a:rPr lang="en-US" altLang="zh-CN" sz="5400" b="1" dirty="0">
-                <a:solidFill>
-                  <a:srgbClr val="660033"/>
-                </a:solidFill>
-                <a:latin typeface="Microsoft JhengHei" panose="020B0604030504040204" pitchFamily="34" charset="-120"/>
-                <a:ea typeface="Microsoft JhengHei" panose="020B0604030504040204" pitchFamily="34" charset="-120"/>
-              </a:rPr>
-              <a:t>  </a:t>
-            </a:r>
-            <a:r>
-              <a:rPr lang="zh-CN" altLang="zh-TW" sz="5400" b="1" dirty="0">
-                <a:solidFill>
-                  <a:srgbClr val="660033"/>
-                </a:solidFill>
-                <a:latin typeface="Microsoft JhengHei" panose="020B0604030504040204" pitchFamily="34" charset="-120"/>
-                <a:ea typeface="Microsoft JhengHei" panose="020B0604030504040204" pitchFamily="34" charset="-120"/>
-              </a:rPr>
-              <a:t>我</a:t>
-            </a:r>
-            <a:r>
-              <a:rPr lang="zh-CN" altLang="zh-TW" sz="5400" b="1" dirty="0">
-                <a:solidFill>
-                  <a:srgbClr val="660033"/>
-                </a:solidFill>
-                <a:latin typeface="Microsoft JhengHei" panose="020B0604030504040204" pitchFamily="34" charset="-120"/>
-                <a:ea typeface="Microsoft JhengHei" panose="020B0604030504040204" pitchFamily="34" charset="-120"/>
-              </a:rPr>
-              <a:t>即時得平安 </a:t>
-            </a:r>
-            <a:r>
-              <a:rPr lang="en-US" altLang="zh-CN" sz="5400" b="1" dirty="0">
-                <a:solidFill>
-                  <a:srgbClr val="660033"/>
-                </a:solidFill>
-                <a:latin typeface="Microsoft JhengHei" panose="020B0604030504040204" pitchFamily="34" charset="-120"/>
-                <a:ea typeface="Microsoft JhengHei" panose="020B0604030504040204" pitchFamily="34" charset="-120"/>
-              </a:rPr>
-              <a:t> </a:t>
-            </a:r>
-            <a:r>
-              <a:rPr lang="zh-CN" altLang="zh-TW" sz="5400" b="1" dirty="0">
-                <a:solidFill>
-                  <a:srgbClr val="660033"/>
-                </a:solidFill>
-                <a:latin typeface="Microsoft JhengHei" panose="020B0604030504040204" pitchFamily="34" charset="-120"/>
-                <a:ea typeface="Microsoft JhengHei" panose="020B0604030504040204" pitchFamily="34" charset="-120"/>
-              </a:rPr>
               <a:t>平安</a:t>
             </a:r>
-            <a:endParaRPr lang="zh-CN" altLang="zh-TW" sz="5400" b="1" dirty="0">
-              <a:solidFill>
-                <a:srgbClr val="660033"/>
-              </a:solidFill>
-              <a:latin typeface="Microsoft JhengHei" panose="020B0604030504040204" pitchFamily="34" charset="-120"/>
-              <a:ea typeface="Microsoft JhengHei" panose="020B0604030504040204" pitchFamily="34" charset="-120"/>
-            </a:endParaRPr>
           </a:p>
         </p:txBody>
       </p:sp>
     </p:spTree>
     <p:extLst>
       <p:ext uri="{BB962C8B-B14F-4D97-AF65-F5344CB8AC3E}">
-        <p14:creationId xmlns:p14="http://schemas.microsoft.com/office/powerpoint/2010/main" val="622624672"/>
+        <p14:creationId xmlns:p14="http://schemas.microsoft.com/office/powerpoint/2010/main" xmlns="" val="622624672"/>
       </p:ext>
     </p:extLst>
   </p:cSld>
@@ -6417,7 +5897,7 @@
   <a:extraClrSchemeLst/>
   <a:extLst>
     <a:ext uri="{05A4C25C-085E-4340-85A3-A5531E510DB2}">
-      <thm15:themeFamily xmlns:thm15="http://schemas.microsoft.com/office/thememl/2012/main" name="Theme1" id="{1A8DE197-990E-4893-BF04-3823FBB50F9A}" vid="{430B7048-5A04-4BDB-939A-C7E865DB887B}"/>
+      <thm15:themeFamily xmlns:thm15="http://schemas.microsoft.com/office/thememl/2012/main" xmlns="" name="Theme1" id="{1A8DE197-990E-4893-BF04-3823FBB50F9A}" vid="{430B7048-5A04-4BDB-939A-C7E865DB887B}"/>
     </a:ext>
   </a:extLst>
 </a:theme>
@@ -6705,7 +6185,7 @@
   <a:extraClrSchemeLst/>
   <a:extLst>
     <a:ext uri="{05A4C25C-085E-4340-85A3-A5531E510DB2}">
-      <thm15:themeFamily xmlns:thm15="http://schemas.microsoft.com/office/thememl/2012/main" name="Office Theme" id="{62F939B6-93AF-4DB8-9C6B-D6C7DFDC589F}" vid="{4A3C46E8-61CC-4603-A589-7422A47A8E4A}"/>
+      <thm15:themeFamily xmlns:thm15="http://schemas.microsoft.com/office/thememl/2012/main" xmlns="" name="Office Theme" id="{62F939B6-93AF-4DB8-9C6B-D6C7DFDC589F}" vid="{4A3C46E8-61CC-4603-A589-7422A47A8E4A}"/>
     </a:ext>
   </a:extLst>
 </a:theme>
@@ -6966,7 +6446,7 @@
   <a:extraClrSchemeLst/>
   <a:extLst>
     <a:ext uri="{05A4C25C-085E-4340-85A3-A5531E510DB2}">
-      <thm15:themeFamily xmlns:thm15="http://schemas.microsoft.com/office/thememl/2012/main" name="Office Theme" id="{62F939B6-93AF-4DB8-9C6B-D6C7DFDC589F}" vid="{4A3C46E8-61CC-4603-A589-7422A47A8E4A}"/>
+      <thm15:themeFamily xmlns:thm15="http://schemas.microsoft.com/office/thememl/2012/main" xmlns="" name="Office Theme" id="{62F939B6-93AF-4DB8-9C6B-D6C7DFDC589F}" vid="{4A3C46E8-61CC-4603-A589-7422A47A8E4A}"/>
     </a:ext>
   </a:extLst>
 </a:theme>
